--- a/3--Docker基础操作.pptx
+++ b/3--Docker基础操作.pptx
@@ -8,37 +8,38 @@
     <p:notesMasterId r:id="rId4"/>
   </p:notesMasterIdLst>
   <p:handoutMasterIdLst>
-    <p:handoutMasterId r:id="rId27"/>
+    <p:handoutMasterId r:id="rId28"/>
   </p:handoutMasterIdLst>
   <p:sldIdLst>
     <p:sldId id="256" r:id="rId3"/>
     <p:sldId id="262" r:id="rId5"/>
     <p:sldId id="458" r:id="rId6"/>
-    <p:sldId id="497" r:id="rId7"/>
-    <p:sldId id="512" r:id="rId8"/>
-    <p:sldId id="516" r:id="rId9"/>
-    <p:sldId id="513" r:id="rId10"/>
-    <p:sldId id="514" r:id="rId11"/>
-    <p:sldId id="517" r:id="rId12"/>
-    <p:sldId id="499" r:id="rId13"/>
-    <p:sldId id="500" r:id="rId14"/>
-    <p:sldId id="501" r:id="rId15"/>
-    <p:sldId id="507" r:id="rId16"/>
-    <p:sldId id="503" r:id="rId17"/>
-    <p:sldId id="530" r:id="rId18"/>
-    <p:sldId id="519" r:id="rId19"/>
-    <p:sldId id="518" r:id="rId20"/>
-    <p:sldId id="502" r:id="rId21"/>
-    <p:sldId id="534" r:id="rId22"/>
-    <p:sldId id="533" r:id="rId23"/>
-    <p:sldId id="531" r:id="rId24"/>
-    <p:sldId id="532" r:id="rId25"/>
-    <p:sldId id="285" r:id="rId26"/>
+    <p:sldId id="539" r:id="rId7"/>
+    <p:sldId id="497" r:id="rId8"/>
+    <p:sldId id="512" r:id="rId9"/>
+    <p:sldId id="516" r:id="rId10"/>
+    <p:sldId id="513" r:id="rId11"/>
+    <p:sldId id="514" r:id="rId12"/>
+    <p:sldId id="517" r:id="rId13"/>
+    <p:sldId id="499" r:id="rId14"/>
+    <p:sldId id="500" r:id="rId15"/>
+    <p:sldId id="501" r:id="rId16"/>
+    <p:sldId id="507" r:id="rId17"/>
+    <p:sldId id="503" r:id="rId18"/>
+    <p:sldId id="530" r:id="rId19"/>
+    <p:sldId id="519" r:id="rId20"/>
+    <p:sldId id="518" r:id="rId21"/>
+    <p:sldId id="502" r:id="rId22"/>
+    <p:sldId id="534" r:id="rId23"/>
+    <p:sldId id="533" r:id="rId24"/>
+    <p:sldId id="531" r:id="rId25"/>
+    <p:sldId id="532" r:id="rId26"/>
+    <p:sldId id="285" r:id="rId27"/>
   </p:sldIdLst>
   <p:sldSz cx="12192000" cy="6858000"/>
   <p:notesSz cx="6858000" cy="9144000"/>
   <p:custDataLst>
-    <p:tags r:id="rId31"/>
+    <p:tags r:id="rId32"/>
   </p:custDataLst>
   <p:defaultTextStyle>
     <a:defPPr>
@@ -836,11 +837,7 @@
         <p:spPr/>
         <p:txBody>
           <a:bodyPr/>
-          <a:p>
-            <a:r>
-              <a:t> docker run 里面的命令结束了，container就结束了 </a:t>
-            </a:r>
-          </a:p>
+          <a:p/>
         </p:txBody>
       </p:sp>
     </p:spTree>
@@ -887,6 +884,47 @@
               <a:t> docker run 里面的命令结束了，container就结束了 </a:t>
             </a:r>
           </a:p>
+          <a:p/>
+          <a:p>
+            <a:r>
+              <a:t>docker run 背后的故事：</a:t>
+            </a:r>
+          </a:p>
+          <a:p>
+            <a:r>
+              <a:t>1 检查本地是否存在制定的镜像，不存在就从公有仓库下载。</a:t>
+            </a:r>
+          </a:p>
+          <a:p>
+            <a:r>
+              <a:t>2 利用本地镜像创建并启动一个容器。</a:t>
+            </a:r>
+          </a:p>
+          <a:p>
+            <a:r>
+              <a:t>3 分配一个文件系统，并在只读的镜像层外面挂载一层可读写层。</a:t>
+            </a:r>
+          </a:p>
+          <a:p>
+            <a:r>
+              <a:t>4 从宿主机配置的网桥接口桥接一个虚拟接口到容器中去。</a:t>
+            </a:r>
+          </a:p>
+          <a:p>
+            <a:r>
+              <a:t>5 从地址池配置一个IP地址给容器。</a:t>
+            </a:r>
+          </a:p>
+          <a:p>
+            <a:r>
+              <a:t>6 执行用户的指定的用户程序。</a:t>
+            </a:r>
+          </a:p>
+          <a:p>
+            <a:r>
+              <a:t>7 执行完毕后容器被终止。</a:t>
+            </a:r>
+          </a:p>
         </p:txBody>
       </p:sp>
     </p:spTree>
@@ -928,7 +966,11 @@
         <p:spPr/>
         <p:txBody>
           <a:bodyPr/>
-          <a:p/>
+          <a:p>
+            <a:r>
+              <a:t> docker run 里面的命令结束了，container就结束了 </a:t>
+            </a:r>
+          </a:p>
         </p:txBody>
       </p:sp>
     </p:spTree>
@@ -1012,7 +1054,21 @@
         <p:spPr/>
         <p:txBody>
           <a:bodyPr/>
-          <a:p/>
+          <a:p>
+            <a:r>
+              <a:t>Exec可以直接在容器内部运行命令。</a:t>
+            </a:r>
+          </a:p>
+          <a:p>
+            <a:r>
+              <a:t>run 运行一个容器后，进入容器的话，exit容器直接退出</a:t>
+            </a:r>
+          </a:p>
+          <a:p>
+            <a:r>
+              <a:t>exec进入容器后，exit容器不退出，仍在后台运行</a:t>
+            </a:r>
+          </a:p>
         </p:txBody>
       </p:sp>
     </p:spTree>
@@ -1300,6 +1356,48 @@
         <p:spPr/>
         <p:txBody>
           <a:bodyPr/>
+          <a:p/>
+        </p:txBody>
+      </p:sp>
+    </p:spTree>
+  </p:cSld>
+  <p:clrMapOvr>
+    <a:masterClrMapping/>
+  </p:clrMapOvr>
+</p:notes>
+</file>
+
+<file path=ppt/notesSlides/notesSlide22.xml><?xml version="1.0" encoding="utf-8"?>
+<p:notes xmlns:a="http://schemas.openxmlformats.org/drawingml/2006/main" xmlns:r="http://schemas.openxmlformats.org/officeDocument/2006/relationships" xmlns:p="http://schemas.openxmlformats.org/presentationml/2006/main">
+  <p:cSld>
+    <p:spTree>
+      <p:nvGrpSpPr>
+        <p:cNvPr id="1" name=""/>
+        <p:cNvGrpSpPr/>
+        <p:nvPr/>
+      </p:nvGrpSpPr>
+      <p:grpSpPr/>
+      <p:sp>
+        <p:nvSpPr>
+          <p:cNvPr id="2" name="幻灯片图像占位符 1"/>
+          <p:cNvSpPr/>
+          <p:nvPr>
+            <p:ph type="sldImg" idx="2"/>
+          </p:nvPr>
+        </p:nvSpPr>
+        <p:spPr/>
+      </p:sp>
+      <p:sp>
+        <p:nvSpPr>
+          <p:cNvPr id="3" name="文本占位符 2"/>
+          <p:cNvSpPr/>
+          <p:nvPr>
+            <p:ph type="body" idx="3"/>
+          </p:nvPr>
+        </p:nvSpPr>
+        <p:spPr/>
+        <p:txBody>
+          <a:bodyPr/>
           <a:p>
             <a:r>
               <a:rPr lang="en-US"/>
@@ -1343,7 +1441,7 @@
 </p:notes>
 </file>
 
-<file path=ppt/notesSlides/notesSlide22.xml><?xml version="1.0" encoding="utf-8"?>
+<file path=ppt/notesSlides/notesSlide23.xml><?xml version="1.0" encoding="utf-8"?>
 <p:notes xmlns:a="http://schemas.openxmlformats.org/drawingml/2006/main" xmlns:r="http://schemas.openxmlformats.org/officeDocument/2006/relationships" xmlns:p="http://schemas.openxmlformats.org/presentationml/2006/main">
   <p:cSld>
     <p:spTree>
@@ -1448,7 +1546,11 @@
         <p:spPr/>
         <p:txBody>
           <a:bodyPr/>
-          <a:p/>
+          <a:p>
+            <a:r>
+              <a:t>   docker的整个生命周期有三部分组成：镜像（image）+容器（container）+仓库（repository）</a:t>
+            </a:r>
+          </a:p>
         </p:txBody>
       </p:sp>
     </p:spTree>
@@ -2867,7 +2969,7 @@
                 </a:solidFill>
                 <a:cs typeface="Arial" panose="020B0604020202020204" pitchFamily="34" charset="0"/>
               </a:rPr>
-              <a:t>容器</a:t>
+              <a:t>镜像</a:t>
             </a:r>
             <a:endParaRPr lang="zh-CN" altLang="en-US" sz="4000" b="1" dirty="0">
               <a:solidFill>
@@ -2928,14 +3030,11 @@
                 </a:solidFill>
                 <a:cs typeface="Arial" panose="020B0604020202020204" pitchFamily="34" charset="0"/>
               </a:rPr>
-              <a:t>docker ps</a:t>
-            </a:r>
-            <a:endParaRPr lang="en-US" sz="2600" dirty="0">
+              <a:t>docker rmi</a:t>
+            </a:r>
+            <a:endParaRPr lang="en-US" sz="2800" b="1" dirty="0">
               <a:solidFill>
-                <a:schemeClr val="tx1">
-                  <a:lumMod val="75000"/>
-                  <a:lumOff val="25000"/>
-                </a:schemeClr>
+                <a:srgbClr val="C00000"/>
               </a:solidFill>
               <a:cs typeface="Arial" panose="020B0604020202020204" pitchFamily="34" charset="0"/>
             </a:endParaRPr>
@@ -3155,82 +3254,22 @@
               <a:buFont typeface="Wingdings" panose="05000000000000000000" pitchFamily="2" charset="2"/>
             </a:pPr>
             <a:r>
-              <a:rPr lang="en-US" altLang="zh-CN" sz="2200" b="0">
-                <a:latin typeface="Times New Roman" panose="02020603050405020304" pitchFamily="18" charset="0"/>
-              </a:rPr>
-              <a:t>    </a:t>
-            </a:r>
-            <a:r>
-              <a:rPr lang="zh-CN" altLang="en-US" sz="2200" b="0">
-                <a:latin typeface="Times New Roman" panose="02020603050405020304" pitchFamily="18" charset="0"/>
-              </a:rPr>
-              <a:t>查看正在运行的容器</a:t>
-            </a:r>
-            <a:r>
               <a:rPr lang="zh-CN" altLang="en-US" sz="2200" b="0" dirty="0">
                 <a:latin typeface="Times New Roman" panose="02020603050405020304" pitchFamily="18" charset="0"/>
-                <a:sym typeface="+mn-ea"/>
-              </a:rPr>
-              <a:t>：</a:t>
+              </a:rPr>
+              <a:t>删除</a:t>
             </a:r>
             <a:r>
               <a:rPr lang="en-US" altLang="zh-CN" sz="2200" b="0" dirty="0">
                 <a:latin typeface="Times New Roman" panose="02020603050405020304" pitchFamily="18" charset="0"/>
-                <a:sym typeface="+mn-ea"/>
-              </a:rPr>
-              <a:t>docker ps [-a]</a:t>
-            </a:r>
-            <a:endParaRPr lang="en-US" altLang="zh-CN" sz="2200" b="0" dirty="0">
-              <a:latin typeface="Times New Roman" panose="02020603050405020304" pitchFamily="18" charset="0"/>
-              <a:sym typeface="+mn-ea"/>
-            </a:endParaRPr>
-          </a:p>
-          <a:p>
-            <a:pPr algn="just">
-              <a:buClr>
-                <a:schemeClr val="tx1"/>
-              </a:buClr>
-              <a:buFont typeface="Wingdings" panose="05000000000000000000" pitchFamily="2" charset="2"/>
-            </a:pPr>
-            <a:r>
-              <a:rPr lang="en-US" altLang="zh-CN" sz="2200" b="0" dirty="0">
-                <a:latin typeface="Times New Roman" panose="02020603050405020304" pitchFamily="18" charset="0"/>
-                <a:sym typeface="+mn-ea"/>
-              </a:rPr>
-              <a:t>   列出最近一个运行过的container</a:t>
+              </a:rPr>
+              <a:t>docker</a:t>
             </a:r>
             <a:r>
               <a:rPr lang="zh-CN" altLang="en-US" sz="2200" b="0" dirty="0">
                 <a:latin typeface="Times New Roman" panose="02020603050405020304" pitchFamily="18" charset="0"/>
-                <a:sym typeface="+mn-ea"/>
-              </a:rPr>
-              <a:t>：</a:t>
-            </a:r>
-            <a:r>
-              <a:rPr lang="en-US" altLang="zh-CN" sz="2200" b="0" dirty="0">
-                <a:latin typeface="Times New Roman" panose="02020603050405020304" pitchFamily="18" charset="0"/>
-                <a:sym typeface="+mn-ea"/>
-              </a:rPr>
-              <a:t>docker ps -l</a:t>
-            </a:r>
-            <a:endParaRPr lang="zh-CN" altLang="en-US" sz="2200" b="0" dirty="0">
-              <a:latin typeface="Times New Roman" panose="02020603050405020304" pitchFamily="18" charset="0"/>
-              <a:sym typeface="+mn-ea"/>
-            </a:endParaRPr>
-          </a:p>
-          <a:p>
-            <a:pPr algn="just">
-              <a:buClr>
-                <a:schemeClr val="tx1"/>
-              </a:buClr>
-              <a:buFont typeface="Wingdings" panose="05000000000000000000" pitchFamily="2" charset="2"/>
-            </a:pPr>
-            <a:r>
-              <a:rPr lang="zh-CN" altLang="en-US" sz="2200" b="0" dirty="0">
-                <a:latin typeface="Times New Roman" panose="02020603050405020304" pitchFamily="18" charset="0"/>
-                <a:sym typeface="+mn-ea"/>
-              </a:rPr>
-              <a:t>        </a:t>
+              </a:rPr>
+              <a:t>镜像</a:t>
             </a:r>
             <a:endParaRPr lang="zh-CN" altLang="en-US" sz="2200" b="0" dirty="0">
               <a:latin typeface="Times New Roman" panose="02020603050405020304" pitchFamily="18" charset="0"/>
@@ -3238,30 +3277,6 @@
           </a:p>
         </p:txBody>
       </p:sp>
-      <p:pic>
-        <p:nvPicPr>
-          <p:cNvPr id="4" name="图片 3"/>
-          <p:cNvPicPr>
-            <a:picLocks noChangeAspect="1"/>
-          </p:cNvPicPr>
-          <p:nvPr/>
-        </p:nvPicPr>
-        <p:blipFill>
-          <a:blip r:embed="rId4"/>
-          <a:stretch>
-            <a:fillRect/>
-          </a:stretch>
-        </p:blipFill>
-        <p:spPr>
-          <a:xfrm>
-            <a:off x="564515" y="3371215"/>
-            <a:ext cx="11367135" cy="1297940"/>
-          </a:xfrm>
-          <a:prstGeom prst="rect">
-            <a:avLst/>
-          </a:prstGeom>
-        </p:spPr>
-      </p:pic>
     </p:spTree>
   </p:cSld>
   <p:clrMapOvr>
@@ -3361,7 +3376,6 @@
                   </a:schemeClr>
                 </a:solidFill>
                 <a:cs typeface="Arial" panose="020B0604020202020204" pitchFamily="34" charset="0"/>
-                <a:sym typeface="+mn-ea"/>
               </a:rPr>
               <a:t>docker </a:t>
             </a:r>
@@ -3374,7 +3388,6 @@
                   </a:schemeClr>
                 </a:solidFill>
                 <a:cs typeface="Arial" panose="020B0604020202020204" pitchFamily="34" charset="0"/>
-                <a:sym typeface="+mn-ea"/>
               </a:rPr>
               <a:t>容器</a:t>
             </a:r>
@@ -3402,7 +3415,7 @@
         </p:nvSpPr>
         <p:spPr bwMode="auto">
           <a:xfrm>
-            <a:off x="981075" y="1300480"/>
+            <a:off x="981075" y="1580515"/>
             <a:ext cx="4918075" cy="718820"/>
           </a:xfrm>
           <a:prstGeom prst="rect">
@@ -3437,7 +3450,7 @@
                 </a:solidFill>
                 <a:cs typeface="Arial" panose="020B0604020202020204" pitchFamily="34" charset="0"/>
               </a:rPr>
-              <a:t>docker inspect</a:t>
+              <a:t>docker ps</a:t>
             </a:r>
             <a:endParaRPr lang="en-US" sz="2600" dirty="0">
               <a:solidFill>
@@ -3461,7 +3474,7 @@
         </p:nvSpPr>
         <p:spPr>
           <a:xfrm>
-            <a:off x="1078865" y="1939290"/>
+            <a:off x="1078865" y="2299335"/>
             <a:ext cx="10013315" cy="3816350"/>
           </a:xfrm>
           <a:prstGeom prst="rect">
@@ -3667,26 +3680,73 @@
               <a:rPr lang="en-US" altLang="zh-CN" sz="2200" b="0">
                 <a:latin typeface="Times New Roman" panose="02020603050405020304" pitchFamily="18" charset="0"/>
               </a:rPr>
-              <a:t>   </a:t>
-            </a:r>
-            <a:r>
-              <a:rPr lang="zh-CN" sz="2200" b="0">
-                <a:latin typeface="Times New Roman" panose="02020603050405020304" pitchFamily="18" charset="0"/>
-              </a:rPr>
-              <a:t>查看具体</a:t>
-            </a:r>
-            <a:r>
-              <a:rPr lang="en-US" altLang="zh-CN" sz="2200" b="0">
-                <a:latin typeface="Times New Roman" panose="02020603050405020304" pitchFamily="18" charset="0"/>
-              </a:rPr>
-              <a:t>docker</a:t>
+              <a:t>    </a:t>
             </a:r>
             <a:r>
               <a:rPr lang="zh-CN" altLang="en-US" sz="2200" b="0">
                 <a:latin typeface="Times New Roman" panose="02020603050405020304" pitchFamily="18" charset="0"/>
               </a:rPr>
-              <a:t>的详细信息</a:t>
-            </a:r>
+              <a:t>查看正在运行的容器</a:t>
+            </a:r>
+            <a:r>
+              <a:rPr lang="zh-CN" altLang="en-US" sz="2200" b="0" dirty="0">
+                <a:latin typeface="Times New Roman" panose="02020603050405020304" pitchFamily="18" charset="0"/>
+                <a:sym typeface="+mn-ea"/>
+              </a:rPr>
+              <a:t>：</a:t>
+            </a:r>
+            <a:r>
+              <a:rPr lang="en-US" altLang="zh-CN" sz="2200" b="0" dirty="0">
+                <a:latin typeface="Times New Roman" panose="02020603050405020304" pitchFamily="18" charset="0"/>
+                <a:sym typeface="+mn-ea"/>
+              </a:rPr>
+              <a:t>docker ps [-a]</a:t>
+            </a:r>
+            <a:endParaRPr lang="en-US" altLang="zh-CN" sz="2200" b="0" dirty="0">
+              <a:latin typeface="Times New Roman" panose="02020603050405020304" pitchFamily="18" charset="0"/>
+              <a:sym typeface="+mn-ea"/>
+            </a:endParaRPr>
+          </a:p>
+          <a:p>
+            <a:pPr algn="just">
+              <a:buClr>
+                <a:schemeClr val="tx1"/>
+              </a:buClr>
+              <a:buFont typeface="Wingdings" panose="05000000000000000000" pitchFamily="2" charset="2"/>
+            </a:pPr>
+            <a:r>
+              <a:rPr lang="en-US" altLang="zh-CN" sz="2200" b="0" dirty="0">
+                <a:latin typeface="Times New Roman" panose="02020603050405020304" pitchFamily="18" charset="0"/>
+                <a:sym typeface="+mn-ea"/>
+              </a:rPr>
+              <a:t>   列出最近一个运行过的container</a:t>
+            </a:r>
+            <a:r>
+              <a:rPr lang="zh-CN" altLang="en-US" sz="2200" b="0" dirty="0">
+                <a:latin typeface="Times New Roman" panose="02020603050405020304" pitchFamily="18" charset="0"/>
+                <a:sym typeface="+mn-ea"/>
+              </a:rPr>
+              <a:t>：</a:t>
+            </a:r>
+            <a:r>
+              <a:rPr lang="en-US" altLang="zh-CN" sz="2200" b="0" dirty="0">
+                <a:latin typeface="Times New Roman" panose="02020603050405020304" pitchFamily="18" charset="0"/>
+                <a:sym typeface="+mn-ea"/>
+              </a:rPr>
+              <a:t>docker ps -l</a:t>
+            </a:r>
+            <a:endParaRPr lang="zh-CN" altLang="en-US" sz="2200" b="0" dirty="0">
+              <a:latin typeface="Times New Roman" panose="02020603050405020304" pitchFamily="18" charset="0"/>
+              <a:sym typeface="+mn-ea"/>
+            </a:endParaRPr>
+          </a:p>
+          <a:p>
+            <a:pPr algn="just">
+              <a:buClr>
+                <a:schemeClr val="tx1"/>
+              </a:buClr>
+              <a:buFont typeface="Wingdings" panose="05000000000000000000" pitchFamily="2" charset="2"/>
+            </a:pPr>
             <a:r>
               <a:rPr lang="zh-CN" altLang="en-US" sz="2200" b="0" dirty="0">
                 <a:latin typeface="Times New Roman" panose="02020603050405020304" pitchFamily="18" charset="0"/>
@@ -3702,7 +3762,7 @@
       </p:sp>
       <p:pic>
         <p:nvPicPr>
-          <p:cNvPr id="2" name="图片 1"/>
+          <p:cNvPr id="4" name="图片 3"/>
           <p:cNvPicPr>
             <a:picLocks noChangeAspect="1"/>
           </p:cNvPicPr>
@@ -3716,8 +3776,8 @@
         </p:blipFill>
         <p:spPr>
           <a:xfrm>
-            <a:off x="2012950" y="2494915"/>
-            <a:ext cx="7301865" cy="3729990"/>
+            <a:off x="564515" y="3371215"/>
+            <a:ext cx="11367135" cy="1297940"/>
           </a:xfrm>
           <a:prstGeom prst="rect">
             <a:avLst/>
@@ -3864,7 +3924,7 @@
         </p:nvSpPr>
         <p:spPr bwMode="auto">
           <a:xfrm>
-            <a:off x="981075" y="1580515"/>
+            <a:off x="981075" y="1300480"/>
             <a:ext cx="4918075" cy="718820"/>
           </a:xfrm>
           <a:prstGeom prst="rect">
@@ -3899,7 +3959,7 @@
                 </a:solidFill>
                 <a:cs typeface="Arial" panose="020B0604020202020204" pitchFamily="34" charset="0"/>
               </a:rPr>
-              <a:t>docker run</a:t>
+              <a:t>docker inspect</a:t>
             </a:r>
             <a:endParaRPr lang="en-US" sz="2600" dirty="0">
               <a:solidFill>
@@ -3923,8 +3983,8 @@
         </p:nvSpPr>
         <p:spPr>
           <a:xfrm>
-            <a:off x="1078865" y="2299335"/>
-            <a:ext cx="10013315" cy="2564765"/>
+            <a:off x="1078865" y="1939290"/>
+            <a:ext cx="10013315" cy="3816350"/>
           </a:xfrm>
           <a:prstGeom prst="rect">
             <a:avLst/>
@@ -4126,55 +4186,35 @@
               <a:buFont typeface="Wingdings" panose="05000000000000000000" pitchFamily="2" charset="2"/>
             </a:pPr>
             <a:r>
+              <a:rPr lang="en-US" altLang="zh-CN" sz="2200" b="0">
+                <a:latin typeface="Times New Roman" panose="02020603050405020304" pitchFamily="18" charset="0"/>
+              </a:rPr>
+              <a:t>   </a:t>
+            </a:r>
+            <a:r>
+              <a:rPr lang="zh-CN" sz="2200" b="0">
+                <a:latin typeface="Times New Roman" panose="02020603050405020304" pitchFamily="18" charset="0"/>
+              </a:rPr>
+              <a:t>查看具体</a:t>
+            </a:r>
+            <a:r>
+              <a:rPr lang="en-US" altLang="zh-CN" sz="2200" b="0">
+                <a:latin typeface="Times New Roman" panose="02020603050405020304" pitchFamily="18" charset="0"/>
+              </a:rPr>
+              <a:t>docker</a:t>
+            </a:r>
+            <a:r>
               <a:rPr lang="zh-CN" altLang="en-US" sz="2200" b="0">
                 <a:latin typeface="Times New Roman" panose="02020603050405020304" pitchFamily="18" charset="0"/>
               </a:rPr>
-              <a:t>启动容器：</a:t>
-            </a:r>
-            <a:r>
-              <a:rPr lang="en-US" altLang="zh-CN" sz="2200" b="0">
+              <a:t>的详细信息</a:t>
+            </a:r>
+            <a:r>
+              <a:rPr lang="zh-CN" altLang="en-US" sz="2200" b="0" dirty="0">
                 <a:latin typeface="Times New Roman" panose="02020603050405020304" pitchFamily="18" charset="0"/>
-              </a:rPr>
-              <a:t>docker run [OPTIONS] IMAGE[:TAG] [COMMAND] [ARG...]  </a:t>
-            </a:r>
-            <a:endParaRPr lang="en-US" altLang="zh-CN" sz="2200" b="0">
-              <a:latin typeface="Times New Roman" panose="02020603050405020304" pitchFamily="18" charset="0"/>
-            </a:endParaRPr>
-          </a:p>
-          <a:p>
-            <a:pPr algn="just">
-              <a:buClr>
-                <a:schemeClr val="tx1"/>
-              </a:buClr>
-              <a:buFont typeface="Wingdings" panose="05000000000000000000" pitchFamily="2" charset="2"/>
-            </a:pPr>
-            <a:endParaRPr lang="en-US" altLang="zh-CN" sz="2200" b="0">
-              <a:latin typeface="Times New Roman" panose="02020603050405020304" pitchFamily="18" charset="0"/>
-            </a:endParaRPr>
-          </a:p>
-          <a:p>
-            <a:pPr algn="just">
-              <a:buClr>
-                <a:schemeClr val="tx1"/>
-              </a:buClr>
-              <a:buFont typeface="Wingdings" panose="05000000000000000000" pitchFamily="2" charset="2"/>
-            </a:pPr>
-            <a:endParaRPr lang="en-US" altLang="zh-CN" sz="2200" b="0">
-              <a:latin typeface="Times New Roman" panose="02020603050405020304" pitchFamily="18" charset="0"/>
-            </a:endParaRPr>
-          </a:p>
-          <a:p>
-            <a:pPr algn="just">
-              <a:buClr>
-                <a:schemeClr val="tx1"/>
-              </a:buClr>
-              <a:buFont typeface="Wingdings" panose="05000000000000000000" pitchFamily="2" charset="2"/>
-            </a:pPr>
-            <a:r>
-              <a:rPr lang="en-US" altLang="zh-CN" sz="2200" b="0">
-                <a:latin typeface="Times New Roman" panose="02020603050405020304" pitchFamily="18" charset="0"/>
-              </a:rPr>
-              <a:t>docker run -name Myjava -it java /bin/bash  #启动一个bash终端，允许用户进行交互</a:t>
+                <a:sym typeface="+mn-ea"/>
+              </a:rPr>
+              <a:t>        </a:t>
             </a:r>
             <a:endParaRPr lang="zh-CN" altLang="en-US" sz="2200" b="0" dirty="0">
               <a:latin typeface="Times New Roman" panose="02020603050405020304" pitchFamily="18" charset="0"/>
@@ -4184,7 +4224,7 @@
       </p:sp>
       <p:pic>
         <p:nvPicPr>
-          <p:cNvPr id="4" name="图片 3"/>
+          <p:cNvPr id="2" name="图片 1"/>
           <p:cNvPicPr>
             <a:picLocks noChangeAspect="1"/>
           </p:cNvPicPr>
@@ -4198,32 +4238,8 @@
         </p:blipFill>
         <p:spPr>
           <a:xfrm>
-            <a:off x="1118235" y="3017520"/>
-            <a:ext cx="9327515" cy="580390"/>
-          </a:xfrm>
-          <a:prstGeom prst="rect">
-            <a:avLst/>
-          </a:prstGeom>
-        </p:spPr>
-      </p:pic>
-      <p:pic>
-        <p:nvPicPr>
-          <p:cNvPr id="2" name="图片 1"/>
-          <p:cNvPicPr>
-            <a:picLocks noChangeAspect="1"/>
-          </p:cNvPicPr>
-          <p:nvPr/>
-        </p:nvPicPr>
-        <p:blipFill>
-          <a:blip r:embed="rId5"/>
-          <a:stretch>
-            <a:fillRect/>
-          </a:stretch>
-        </p:blipFill>
-        <p:spPr>
-          <a:xfrm>
-            <a:off x="1745615" y="4501515"/>
-            <a:ext cx="7933690" cy="1805940"/>
+            <a:off x="2012950" y="2494915"/>
+            <a:ext cx="7301865" cy="3729990"/>
           </a:xfrm>
           <a:prstGeom prst="rect">
             <a:avLst/>
@@ -4421,68 +4437,321 @@
       </p:sp>
       <p:sp>
         <p:nvSpPr>
-          <p:cNvPr id="2" name="文本框 1"/>
-          <p:cNvSpPr txBox="1"/>
+          <p:cNvPr id="76803" name="内容占位符 76802"/>
+          <p:cNvSpPr>
+            <a:spLocks noGrp="1"/>
+          </p:cNvSpPr>
           <p:nvPr/>
         </p:nvSpPr>
         <p:spPr>
           <a:xfrm>
-            <a:off x="1287145" y="2347595"/>
-            <a:ext cx="10013950" cy="2730500"/>
+            <a:off x="1078865" y="2299335"/>
+            <a:ext cx="10013315" cy="2564765"/>
           </a:xfrm>
           <a:prstGeom prst="rect">
             <a:avLst/>
           </a:prstGeom>
           <a:noFill/>
+          <a:ln w="9525">
+            <a:noFill/>
+          </a:ln>
         </p:spPr>
         <p:txBody>
-          <a:bodyPr wrap="square" rtlCol="0" anchor="t">
-            <a:spAutoFit/>
-          </a:bodyPr>
+          <a:bodyPr anchor="t"/>
+          <a:lstStyle>
+            <a:lvl1pPr marL="0" lvl="0" indent="0" algn="l" defTabSz="914400" rtl="0" eaLnBrk="1" fontAlgn="base" latinLnBrk="0" hangingPunct="1">
+              <a:lnSpc>
+                <a:spcPct val="120000"/>
+              </a:lnSpc>
+              <a:spcBef>
+                <a:spcPct val="20000"/>
+              </a:spcBef>
+              <a:spcAft>
+                <a:spcPct val="0"/>
+              </a:spcAft>
+              <a:buNone/>
+              <a:defRPr sz="2800" b="1" i="0" u="none" kern="1200" baseline="0">
+                <a:solidFill>
+                  <a:schemeClr val="tx1"/>
+                </a:solidFill>
+                <a:latin typeface="+mn-lt"/>
+                <a:ea typeface="+mn-ea"/>
+                <a:cs typeface="+mn-cs"/>
+              </a:defRPr>
+            </a:lvl1pPr>
+            <a:lvl2pPr marL="758825" lvl="1" indent="-285750" algn="l" defTabSz="914400" rtl="0" eaLnBrk="1" fontAlgn="base" latinLnBrk="0" hangingPunct="1">
+              <a:lnSpc>
+                <a:spcPct val="100000"/>
+              </a:lnSpc>
+              <a:spcBef>
+                <a:spcPct val="20000"/>
+              </a:spcBef>
+              <a:spcAft>
+                <a:spcPct val="0"/>
+              </a:spcAft>
+              <a:buChar char="–"/>
+              <a:defRPr sz="2800" b="0" i="0" u="none" kern="1200" baseline="0">
+                <a:solidFill>
+                  <a:schemeClr val="tx1"/>
+                </a:solidFill>
+                <a:latin typeface="+mn-lt"/>
+                <a:ea typeface="+mn-ea"/>
+                <a:cs typeface="+mn-cs"/>
+              </a:defRPr>
+            </a:lvl2pPr>
+            <a:lvl3pPr marL="1177925" lvl="2" indent="-228600" algn="l" defTabSz="914400" rtl="0" eaLnBrk="1" fontAlgn="base" latinLnBrk="0" hangingPunct="1">
+              <a:lnSpc>
+                <a:spcPct val="100000"/>
+              </a:lnSpc>
+              <a:spcBef>
+                <a:spcPct val="20000"/>
+              </a:spcBef>
+              <a:spcAft>
+                <a:spcPct val="0"/>
+              </a:spcAft>
+              <a:buChar char="•"/>
+              <a:defRPr sz="2400" b="0" i="0" u="none" kern="1200" baseline="0">
+                <a:solidFill>
+                  <a:schemeClr val="tx1"/>
+                </a:solidFill>
+                <a:latin typeface="+mn-lt"/>
+                <a:ea typeface="+mn-ea"/>
+                <a:cs typeface="+mn-cs"/>
+              </a:defRPr>
+            </a:lvl3pPr>
+            <a:lvl4pPr marL="1600200" lvl="3" indent="-228600" algn="l" defTabSz="914400" rtl="0" eaLnBrk="1" fontAlgn="base" latinLnBrk="0" hangingPunct="1">
+              <a:lnSpc>
+                <a:spcPct val="100000"/>
+              </a:lnSpc>
+              <a:spcBef>
+                <a:spcPct val="20000"/>
+              </a:spcBef>
+              <a:spcAft>
+                <a:spcPct val="0"/>
+              </a:spcAft>
+              <a:buChar char="–"/>
+              <a:defRPr sz="2000" b="0" i="0" u="none" kern="1200" baseline="0">
+                <a:solidFill>
+                  <a:schemeClr val="tx1"/>
+                </a:solidFill>
+                <a:latin typeface="+mn-lt"/>
+                <a:ea typeface="+mn-ea"/>
+                <a:cs typeface="+mn-cs"/>
+              </a:defRPr>
+            </a:lvl4pPr>
+            <a:lvl5pPr marL="2057400" lvl="4" indent="-228600" algn="l" defTabSz="914400" rtl="0" eaLnBrk="1" fontAlgn="base" latinLnBrk="0" hangingPunct="1">
+              <a:lnSpc>
+                <a:spcPct val="100000"/>
+              </a:lnSpc>
+              <a:spcBef>
+                <a:spcPct val="20000"/>
+              </a:spcBef>
+              <a:spcAft>
+                <a:spcPct val="0"/>
+              </a:spcAft>
+              <a:buChar char="»"/>
+              <a:defRPr sz="2000" b="0" i="0" u="none" kern="1200" baseline="0">
+                <a:solidFill>
+                  <a:schemeClr val="tx1"/>
+                </a:solidFill>
+                <a:latin typeface="+mn-lt"/>
+                <a:ea typeface="+mn-ea"/>
+                <a:cs typeface="+mn-cs"/>
+              </a:defRPr>
+            </a:lvl5pPr>
+            <a:lvl6pPr marL="2514600" lvl="5" indent="-228600" algn="l" defTabSz="914400" rtl="0" eaLnBrk="1" fontAlgn="base" latinLnBrk="0" hangingPunct="1">
+              <a:lnSpc>
+                <a:spcPct val="100000"/>
+              </a:lnSpc>
+              <a:spcBef>
+                <a:spcPct val="20000"/>
+              </a:spcBef>
+              <a:spcAft>
+                <a:spcPct val="0"/>
+              </a:spcAft>
+              <a:buChar char="»"/>
+              <a:defRPr sz="2000" b="0" i="0" u="none" kern="1200" baseline="0">
+                <a:solidFill>
+                  <a:schemeClr val="tx1"/>
+                </a:solidFill>
+                <a:latin typeface="+mn-lt"/>
+                <a:ea typeface="+mn-ea"/>
+                <a:cs typeface="+mn-cs"/>
+              </a:defRPr>
+            </a:lvl6pPr>
+            <a:lvl7pPr marL="2971800" lvl="6" indent="-228600" algn="l" defTabSz="914400" rtl="0" eaLnBrk="1" fontAlgn="base" latinLnBrk="0" hangingPunct="1">
+              <a:lnSpc>
+                <a:spcPct val="100000"/>
+              </a:lnSpc>
+              <a:spcBef>
+                <a:spcPct val="20000"/>
+              </a:spcBef>
+              <a:spcAft>
+                <a:spcPct val="0"/>
+              </a:spcAft>
+              <a:buChar char="»"/>
+              <a:defRPr sz="2000" b="0" i="0" u="none" kern="1200" baseline="0">
+                <a:solidFill>
+                  <a:schemeClr val="tx1"/>
+                </a:solidFill>
+                <a:latin typeface="+mn-lt"/>
+                <a:ea typeface="+mn-ea"/>
+                <a:cs typeface="+mn-cs"/>
+              </a:defRPr>
+            </a:lvl7pPr>
+            <a:lvl8pPr marL="3429000" lvl="7" indent="-228600" algn="l" defTabSz="914400" rtl="0" eaLnBrk="1" fontAlgn="base" latinLnBrk="0" hangingPunct="1">
+              <a:lnSpc>
+                <a:spcPct val="100000"/>
+              </a:lnSpc>
+              <a:spcBef>
+                <a:spcPct val="20000"/>
+              </a:spcBef>
+              <a:spcAft>
+                <a:spcPct val="0"/>
+              </a:spcAft>
+              <a:buChar char="»"/>
+              <a:defRPr sz="2000" b="0" i="0" u="none" kern="1200" baseline="0">
+                <a:solidFill>
+                  <a:schemeClr val="tx1"/>
+                </a:solidFill>
+                <a:latin typeface="+mn-lt"/>
+                <a:ea typeface="+mn-ea"/>
+                <a:cs typeface="+mn-cs"/>
+              </a:defRPr>
+            </a:lvl8pPr>
+            <a:lvl9pPr marL="3886200" lvl="8" indent="-228600" algn="l" defTabSz="914400" rtl="0" eaLnBrk="1" fontAlgn="base" latinLnBrk="0" hangingPunct="1">
+              <a:lnSpc>
+                <a:spcPct val="100000"/>
+              </a:lnSpc>
+              <a:spcBef>
+                <a:spcPct val="20000"/>
+              </a:spcBef>
+              <a:spcAft>
+                <a:spcPct val="0"/>
+              </a:spcAft>
+              <a:buChar char="»"/>
+              <a:defRPr sz="2000" b="0" i="0" u="none" kern="1200" baseline="0">
+                <a:solidFill>
+                  <a:schemeClr val="tx1"/>
+                </a:solidFill>
+                <a:latin typeface="+mn-lt"/>
+                <a:ea typeface="+mn-ea"/>
+                <a:cs typeface="+mn-cs"/>
+              </a:defRPr>
+            </a:lvl9pPr>
+          </a:lstStyle>
           <a:p>
-            <a:pPr marL="342900" indent="-342900" fontAlgn="auto">
-              <a:lnSpc>
-                <a:spcPct val="130000"/>
-              </a:lnSpc>
-              <a:buFont typeface="Arial" panose="020B0604020202020204" pitchFamily="34" charset="0"/>
-              <a:buChar char="•"/>
+            <a:pPr algn="just">
+              <a:buClr>
+                <a:schemeClr val="tx1"/>
+              </a:buClr>
+              <a:buFont typeface="Wingdings" panose="05000000000000000000" pitchFamily="2" charset="2"/>
             </a:pPr>
             <a:r>
-              <a:rPr lang="zh-CN" altLang="en-US" sz="2200"/>
-              <a:t>docker run时没有指定--name，那么deamon会自动生成一个随机字符串UUID</a:t>
-            </a:r>
-            <a:endParaRPr lang="zh-CN" altLang="en-US" sz="2200"/>
+              <a:rPr lang="zh-CN" altLang="en-US" sz="2200" b="0">
+                <a:latin typeface="Times New Roman" panose="02020603050405020304" pitchFamily="18" charset="0"/>
+              </a:rPr>
+              <a:t>启动容器：</a:t>
+            </a:r>
+            <a:r>
+              <a:rPr lang="en-US" altLang="zh-CN" sz="2200" b="0">
+                <a:latin typeface="Times New Roman" panose="02020603050405020304" pitchFamily="18" charset="0"/>
+              </a:rPr>
+              <a:t>docker run [OPTIONS] IMAGE[:TAG] [COMMAND] [ARG...]  </a:t>
+            </a:r>
+            <a:endParaRPr lang="en-US" altLang="zh-CN" sz="2200" b="0">
+              <a:latin typeface="Times New Roman" panose="02020603050405020304" pitchFamily="18" charset="0"/>
+            </a:endParaRPr>
           </a:p>
           <a:p>
-            <a:pPr marL="342900" indent="-342900" fontAlgn="auto">
-              <a:lnSpc>
-                <a:spcPct val="130000"/>
-              </a:lnSpc>
-              <a:buFont typeface="Arial" panose="020B0604020202020204" pitchFamily="34" charset="0"/>
-              <a:buChar char="•"/>
+            <a:pPr algn="just">
+              <a:buClr>
+                <a:schemeClr val="tx1"/>
+              </a:buClr>
+              <a:buFont typeface="Wingdings" panose="05000000000000000000" pitchFamily="2" charset="2"/>
             </a:pPr>
-            <a:r>
-              <a:rPr lang="zh-CN" altLang="en-US" sz="2200"/>
-              <a:t>Docker时有自动化的需求，你可以将containerID输出到指定的文件中（PIDfile）： --cidfile=""  </a:t>
-            </a:r>
-            <a:endParaRPr lang="zh-CN" altLang="en-US" sz="2200"/>
+            <a:endParaRPr lang="en-US" altLang="zh-CN" sz="2200" b="0">
+              <a:latin typeface="Times New Roman" panose="02020603050405020304" pitchFamily="18" charset="0"/>
+            </a:endParaRPr>
           </a:p>
           <a:p>
-            <a:pPr marL="342900" indent="-342900" fontAlgn="auto">
-              <a:lnSpc>
-                <a:spcPct val="130000"/>
-              </a:lnSpc>
-              <a:buFont typeface="Arial" panose="020B0604020202020204" pitchFamily="34" charset="0"/>
-              <a:buChar char="•"/>
+            <a:pPr algn="just">
+              <a:buClr>
+                <a:schemeClr val="tx1"/>
+              </a:buClr>
+              <a:buFont typeface="Wingdings" panose="05000000000000000000" pitchFamily="2" charset="2"/>
             </a:pPr>
-            <a:r>
-              <a:rPr lang="zh-CN" altLang="en-US" sz="2200"/>
-              <a:t>Docker的容器是没有特权的，例如不能在容器中再启动一个容器。这是因为默认情况下容器是不能访问任何其它设备的。但是通过"privileged"，容器就拥有了访问任何其它设备的权限。  </a:t>
-            </a:r>
-            <a:endParaRPr lang="zh-CN" altLang="en-US" sz="2200"/>
+            <a:endParaRPr lang="en-US" altLang="zh-CN" sz="2200" b="0">
+              <a:latin typeface="Times New Roman" panose="02020603050405020304" pitchFamily="18" charset="0"/>
+            </a:endParaRPr>
+          </a:p>
+          <a:p>
+            <a:pPr algn="just">
+              <a:buClr>
+                <a:schemeClr val="tx1"/>
+              </a:buClr>
+              <a:buFont typeface="Wingdings" panose="05000000000000000000" pitchFamily="2" charset="2"/>
+            </a:pPr>
+            <a:r>
+              <a:rPr lang="en-US" altLang="zh-CN" sz="2200" b="0">
+                <a:latin typeface="Times New Roman" panose="02020603050405020304" pitchFamily="18" charset="0"/>
+              </a:rPr>
+              <a:t>docker run -name Myjava -it java /bin/bash  #启动一个bash终端，允许用户进行交互</a:t>
+            </a:r>
+            <a:endParaRPr lang="zh-CN" altLang="en-US" sz="2200" b="0" dirty="0">
+              <a:latin typeface="Times New Roman" panose="02020603050405020304" pitchFamily="18" charset="0"/>
+            </a:endParaRPr>
           </a:p>
         </p:txBody>
       </p:sp>
+      <p:pic>
+        <p:nvPicPr>
+          <p:cNvPr id="4" name="图片 3"/>
+          <p:cNvPicPr>
+            <a:picLocks noChangeAspect="1"/>
+          </p:cNvPicPr>
+          <p:nvPr/>
+        </p:nvPicPr>
+        <p:blipFill>
+          <a:blip r:embed="rId4"/>
+          <a:stretch>
+            <a:fillRect/>
+          </a:stretch>
+        </p:blipFill>
+        <p:spPr>
+          <a:xfrm>
+            <a:off x="1118235" y="3017520"/>
+            <a:ext cx="9327515" cy="580390"/>
+          </a:xfrm>
+          <a:prstGeom prst="rect">
+            <a:avLst/>
+          </a:prstGeom>
+        </p:spPr>
+      </p:pic>
+      <p:pic>
+        <p:nvPicPr>
+          <p:cNvPr id="2" name="图片 1"/>
+          <p:cNvPicPr>
+            <a:picLocks noChangeAspect="1"/>
+          </p:cNvPicPr>
+          <p:nvPr/>
+        </p:nvPicPr>
+        <p:blipFill>
+          <a:blip r:embed="rId5"/>
+          <a:stretch>
+            <a:fillRect/>
+          </a:stretch>
+        </p:blipFill>
+        <p:spPr>
+          <a:xfrm>
+            <a:off x="1745615" y="4501515"/>
+            <a:ext cx="7933690" cy="1805940"/>
+          </a:xfrm>
+          <a:prstGeom prst="rect">
+            <a:avLst/>
+          </a:prstGeom>
+        </p:spPr>
+      </p:pic>
     </p:spTree>
   </p:cSld>
   <p:clrMapOvr>
@@ -4557,8 +4826,8 @@
         </p:nvSpPr>
         <p:spPr bwMode="auto">
           <a:xfrm>
-            <a:off x="814070" y="377190"/>
-            <a:ext cx="7177405" cy="723900"/>
+            <a:off x="814175" y="377124"/>
+            <a:ext cx="4008438" cy="723900"/>
           </a:xfrm>
           <a:prstGeom prst="rect">
             <a:avLst/>
@@ -4624,7 +4893,7 @@
         <p:spPr bwMode="auto">
           <a:xfrm>
             <a:off x="981075" y="1580515"/>
-            <a:ext cx="10475595" cy="1428115"/>
+            <a:ext cx="4918075" cy="718820"/>
           </a:xfrm>
           <a:prstGeom prst="rect">
             <a:avLst/>
@@ -4636,10 +4905,7 @@
             <a:noAutofit/>
           </a:bodyPr>
           <a:p>
-            <a:pPr fontAlgn="auto">
-              <a:lnSpc>
-                <a:spcPct val="150000"/>
-              </a:lnSpc>
+            <a:pPr>
               <a:buBlip>
                 <a:blip r:embed="rId3"/>
               </a:buBlip>
@@ -4661,103 +4927,84 @@
                 </a:solidFill>
                 <a:cs typeface="Arial" panose="020B0604020202020204" pitchFamily="34" charset="0"/>
               </a:rPr>
-              <a:t>docker  start    </a:t>
-            </a:r>
-            <a:r>
-              <a:rPr lang="zh-CN" altLang="en-US" sz="2800" b="1" dirty="0">
-                <a:solidFill>
-                  <a:srgbClr val="C00000"/>
-                </a:solidFill>
-                <a:cs typeface="Arial" panose="020B0604020202020204" pitchFamily="34" charset="0"/>
-              </a:rPr>
-              <a:t>运行</a:t>
-            </a:r>
-            <a:r>
-              <a:rPr lang="en-US" altLang="zh-CN" sz="2800" b="1" dirty="0">
-                <a:solidFill>
-                  <a:srgbClr val="C00000"/>
-                </a:solidFill>
-                <a:cs typeface="Arial" panose="020B0604020202020204" pitchFamily="34" charset="0"/>
-              </a:rPr>
-              <a:t>docker</a:t>
-            </a:r>
-            <a:endParaRPr lang="en-US" sz="2800" b="1" dirty="0">
+              <a:t>docker run</a:t>
+            </a:r>
+            <a:endParaRPr lang="en-US" sz="2600" dirty="0">
               <a:solidFill>
-                <a:srgbClr val="C00000"/>
-              </a:solidFill>
-              <a:cs typeface="Arial" panose="020B0604020202020204" pitchFamily="34" charset="0"/>
-            </a:endParaRPr>
-          </a:p>
-          <a:p>
-            <a:pPr fontAlgn="auto">
-              <a:lnSpc>
-                <a:spcPct val="150000"/>
-              </a:lnSpc>
-              <a:buBlip>
-                <a:blip r:embed="rId3"/>
-              </a:buBlip>
-              <a:defRPr/>
-            </a:pPr>
-            <a:r>
-              <a:rPr lang="en-US" sz="2800" b="1" dirty="0">
-                <a:solidFill>
-                  <a:srgbClr val="C00000"/>
-                </a:solidFill>
-                <a:cs typeface="Arial" panose="020B0604020202020204" pitchFamily="34" charset="0"/>
-              </a:rPr>
-              <a:t> docker stop     </a:t>
-            </a:r>
-            <a:r>
-              <a:rPr lang="zh-CN" altLang="en-US" sz="2800" b="1" dirty="0">
-                <a:solidFill>
-                  <a:srgbClr val="C00000"/>
-                </a:solidFill>
-                <a:cs typeface="Arial" panose="020B0604020202020204" pitchFamily="34" charset="0"/>
-              </a:rPr>
-              <a:t>停止</a:t>
-            </a:r>
-            <a:r>
-              <a:rPr lang="en-US" altLang="zh-CN" sz="2800" b="1" dirty="0">
-                <a:solidFill>
-                  <a:srgbClr val="C00000"/>
-                </a:solidFill>
-                <a:cs typeface="Arial" panose="020B0604020202020204" pitchFamily="34" charset="0"/>
-              </a:rPr>
-              <a:t>docker</a:t>
-            </a:r>
-            <a:endParaRPr lang="en-US" sz="2800" b="1" dirty="0">
-              <a:solidFill>
-                <a:srgbClr val="C00000"/>
+                <a:schemeClr val="tx1">
+                  <a:lumMod val="75000"/>
+                  <a:lumOff val="25000"/>
+                </a:schemeClr>
               </a:solidFill>
               <a:cs typeface="Arial" panose="020B0604020202020204" pitchFamily="34" charset="0"/>
             </a:endParaRPr>
           </a:p>
         </p:txBody>
       </p:sp>
-      <p:pic>
-        <p:nvPicPr>
-          <p:cNvPr id="5" name="图片 4"/>
-          <p:cNvPicPr>
-            <a:picLocks noChangeAspect="1"/>
-          </p:cNvPicPr>
+      <p:sp>
+        <p:nvSpPr>
+          <p:cNvPr id="2" name="文本框 1"/>
+          <p:cNvSpPr txBox="1"/>
           <p:nvPr/>
-        </p:nvPicPr>
-        <p:blipFill>
-          <a:blip r:embed="rId4"/>
-          <a:stretch>
-            <a:fillRect/>
-          </a:stretch>
-        </p:blipFill>
+        </p:nvSpPr>
         <p:spPr>
           <a:xfrm>
-            <a:off x="156845" y="3257550"/>
-            <a:ext cx="11877675" cy="2428875"/>
+            <a:off x="1287145" y="2347595"/>
+            <a:ext cx="10013950" cy="2730500"/>
           </a:xfrm>
           <a:prstGeom prst="rect">
             <a:avLst/>
           </a:prstGeom>
+          <a:noFill/>
         </p:spPr>
-      </p:pic>
+        <p:txBody>
+          <a:bodyPr wrap="square" rtlCol="0" anchor="t">
+            <a:spAutoFit/>
+          </a:bodyPr>
+          <a:p>
+            <a:pPr marL="342900" indent="-342900" fontAlgn="auto">
+              <a:lnSpc>
+                <a:spcPct val="130000"/>
+              </a:lnSpc>
+              <a:buFont typeface="Arial" panose="020B0604020202020204" pitchFamily="34" charset="0"/>
+              <a:buChar char="•"/>
+            </a:pPr>
+            <a:r>
+              <a:rPr lang="zh-CN" altLang="en-US" sz="2200"/>
+              <a:t>docker run时没有指定--name，那么deamon会自动生成一个随机字符串UUID</a:t>
+            </a:r>
+            <a:endParaRPr lang="zh-CN" altLang="en-US" sz="2200"/>
+          </a:p>
+          <a:p>
+            <a:pPr marL="342900" indent="-342900" fontAlgn="auto">
+              <a:lnSpc>
+                <a:spcPct val="130000"/>
+              </a:lnSpc>
+              <a:buFont typeface="Arial" panose="020B0604020202020204" pitchFamily="34" charset="0"/>
+              <a:buChar char="•"/>
+            </a:pPr>
+            <a:r>
+              <a:rPr lang="zh-CN" altLang="en-US" sz="2200"/>
+              <a:t>Docker时有自动化的需求，你可以将containerID输出到指定的文件中（PIDfile）： --cidfile=""  </a:t>
+            </a:r>
+            <a:endParaRPr lang="zh-CN" altLang="en-US" sz="2200"/>
+          </a:p>
+          <a:p>
+            <a:pPr marL="342900" indent="-342900" fontAlgn="auto">
+              <a:lnSpc>
+                <a:spcPct val="130000"/>
+              </a:lnSpc>
+              <a:buFont typeface="Arial" panose="020B0604020202020204" pitchFamily="34" charset="0"/>
+              <a:buChar char="•"/>
+            </a:pPr>
+            <a:r>
+              <a:rPr lang="zh-CN" altLang="en-US" sz="2200"/>
+              <a:t>Docker的容器是没有特权的，例如不能在容器中再启动一个容器。这是因为默认情况下容器是不能访问任何其它设备的。但是通过"privileged"，容器就拥有了访问任何其它设备的权限。  </a:t>
+            </a:r>
+            <a:endParaRPr lang="zh-CN" altLang="en-US" sz="2200"/>
+          </a:p>
+        </p:txBody>
+      </p:sp>
     </p:spTree>
   </p:cSld>
   <p:clrMapOvr>
@@ -4898,8 +5145,8 @@
         </p:nvSpPr>
         <p:spPr bwMode="auto">
           <a:xfrm>
-            <a:off x="858520" y="1414145"/>
-            <a:ext cx="10475595" cy="552450"/>
+            <a:off x="981075" y="1580515"/>
+            <a:ext cx="10475595" cy="1428115"/>
           </a:xfrm>
           <a:prstGeom prst="rect">
             <a:avLst/>
@@ -4936,7 +5183,69 @@
                 </a:solidFill>
                 <a:cs typeface="Arial" panose="020B0604020202020204" pitchFamily="34" charset="0"/>
               </a:rPr>
-              <a:t>docker  exec  </a:t>
+              <a:t>docker  start    </a:t>
+            </a:r>
+            <a:r>
+              <a:rPr lang="zh-CN" altLang="en-US" sz="2800" b="1" dirty="0">
+                <a:solidFill>
+                  <a:srgbClr val="C00000"/>
+                </a:solidFill>
+                <a:cs typeface="Arial" panose="020B0604020202020204" pitchFamily="34" charset="0"/>
+              </a:rPr>
+              <a:t>运行</a:t>
+            </a:r>
+            <a:r>
+              <a:rPr lang="en-US" altLang="zh-CN" sz="2800" b="1" dirty="0">
+                <a:solidFill>
+                  <a:srgbClr val="C00000"/>
+                </a:solidFill>
+                <a:cs typeface="Arial" panose="020B0604020202020204" pitchFamily="34" charset="0"/>
+              </a:rPr>
+              <a:t>docker</a:t>
+            </a:r>
+            <a:endParaRPr lang="en-US" sz="2800" b="1" dirty="0">
+              <a:solidFill>
+                <a:srgbClr val="C00000"/>
+              </a:solidFill>
+              <a:cs typeface="Arial" panose="020B0604020202020204" pitchFamily="34" charset="0"/>
+            </a:endParaRPr>
+          </a:p>
+          <a:p>
+            <a:pPr fontAlgn="auto">
+              <a:lnSpc>
+                <a:spcPct val="150000"/>
+              </a:lnSpc>
+              <a:buBlip>
+                <a:blip r:embed="rId3"/>
+              </a:buBlip>
+              <a:defRPr/>
+            </a:pPr>
+            <a:r>
+              <a:rPr lang="en-US" sz="2800" b="1" dirty="0">
+                <a:solidFill>
+                  <a:srgbClr val="C00000"/>
+                </a:solidFill>
+                <a:cs typeface="Arial" panose="020B0604020202020204" pitchFamily="34" charset="0"/>
+              </a:rPr>
+              <a:t> docker stop     </a:t>
+            </a:r>
+            <a:r>
+              <a:rPr lang="zh-CN" altLang="en-US" sz="2800" b="1" dirty="0">
+                <a:solidFill>
+                  <a:srgbClr val="C00000"/>
+                </a:solidFill>
+                <a:cs typeface="Arial" panose="020B0604020202020204" pitchFamily="34" charset="0"/>
+              </a:rPr>
+              <a:t>停止</a:t>
+            </a:r>
+            <a:r>
+              <a:rPr lang="en-US" altLang="zh-CN" sz="2800" b="1" dirty="0">
+                <a:solidFill>
+                  <a:srgbClr val="C00000"/>
+                </a:solidFill>
+                <a:cs typeface="Arial" panose="020B0604020202020204" pitchFamily="34" charset="0"/>
+              </a:rPr>
+              <a:t>docker</a:t>
             </a:r>
             <a:endParaRPr lang="en-US" sz="2800" b="1" dirty="0">
               <a:solidFill>
@@ -4947,274 +5256,9 @@
           </a:p>
         </p:txBody>
       </p:sp>
-      <p:sp>
-        <p:nvSpPr>
-          <p:cNvPr id="76803" name="内容占位符 76802"/>
-          <p:cNvSpPr>
-            <a:spLocks noGrp="1"/>
-          </p:cNvSpPr>
-          <p:nvPr/>
-        </p:nvSpPr>
-        <p:spPr>
-          <a:xfrm>
-            <a:off x="1078865" y="2299335"/>
-            <a:ext cx="10013315" cy="3816350"/>
-          </a:xfrm>
-          <a:prstGeom prst="rect">
-            <a:avLst/>
-          </a:prstGeom>
-          <a:noFill/>
-          <a:ln w="9525">
-            <a:noFill/>
-          </a:ln>
-        </p:spPr>
-        <p:txBody>
-          <a:bodyPr anchor="t"/>
-          <a:lstStyle>
-            <a:lvl1pPr marL="0" lvl="0" indent="0" algn="l" defTabSz="914400" rtl="0" eaLnBrk="1" fontAlgn="base" latinLnBrk="0" hangingPunct="1">
-              <a:lnSpc>
-                <a:spcPct val="120000"/>
-              </a:lnSpc>
-              <a:spcBef>
-                <a:spcPct val="20000"/>
-              </a:spcBef>
-              <a:spcAft>
-                <a:spcPct val="0"/>
-              </a:spcAft>
-              <a:buNone/>
-              <a:defRPr sz="2800" b="1" i="0" u="none" kern="1200" baseline="0">
-                <a:solidFill>
-                  <a:schemeClr val="tx1"/>
-                </a:solidFill>
-                <a:latin typeface="+mn-lt"/>
-                <a:ea typeface="+mn-ea"/>
-                <a:cs typeface="+mn-cs"/>
-              </a:defRPr>
-            </a:lvl1pPr>
-            <a:lvl2pPr marL="758825" lvl="1" indent="-285750" algn="l" defTabSz="914400" rtl="0" eaLnBrk="1" fontAlgn="base" latinLnBrk="0" hangingPunct="1">
-              <a:lnSpc>
-                <a:spcPct val="100000"/>
-              </a:lnSpc>
-              <a:spcBef>
-                <a:spcPct val="20000"/>
-              </a:spcBef>
-              <a:spcAft>
-                <a:spcPct val="0"/>
-              </a:spcAft>
-              <a:buChar char="–"/>
-              <a:defRPr sz="2800" b="0" i="0" u="none" kern="1200" baseline="0">
-                <a:solidFill>
-                  <a:schemeClr val="tx1"/>
-                </a:solidFill>
-                <a:latin typeface="+mn-lt"/>
-                <a:ea typeface="+mn-ea"/>
-                <a:cs typeface="+mn-cs"/>
-              </a:defRPr>
-            </a:lvl2pPr>
-            <a:lvl3pPr marL="1177925" lvl="2" indent="-228600" algn="l" defTabSz="914400" rtl="0" eaLnBrk="1" fontAlgn="base" latinLnBrk="0" hangingPunct="1">
-              <a:lnSpc>
-                <a:spcPct val="100000"/>
-              </a:lnSpc>
-              <a:spcBef>
-                <a:spcPct val="20000"/>
-              </a:spcBef>
-              <a:spcAft>
-                <a:spcPct val="0"/>
-              </a:spcAft>
-              <a:buChar char="•"/>
-              <a:defRPr sz="2400" b="0" i="0" u="none" kern="1200" baseline="0">
-                <a:solidFill>
-                  <a:schemeClr val="tx1"/>
-                </a:solidFill>
-                <a:latin typeface="+mn-lt"/>
-                <a:ea typeface="+mn-ea"/>
-                <a:cs typeface="+mn-cs"/>
-              </a:defRPr>
-            </a:lvl3pPr>
-            <a:lvl4pPr marL="1600200" lvl="3" indent="-228600" algn="l" defTabSz="914400" rtl="0" eaLnBrk="1" fontAlgn="base" latinLnBrk="0" hangingPunct="1">
-              <a:lnSpc>
-                <a:spcPct val="100000"/>
-              </a:lnSpc>
-              <a:spcBef>
-                <a:spcPct val="20000"/>
-              </a:spcBef>
-              <a:spcAft>
-                <a:spcPct val="0"/>
-              </a:spcAft>
-              <a:buChar char="–"/>
-              <a:defRPr sz="2000" b="0" i="0" u="none" kern="1200" baseline="0">
-                <a:solidFill>
-                  <a:schemeClr val="tx1"/>
-                </a:solidFill>
-                <a:latin typeface="+mn-lt"/>
-                <a:ea typeface="+mn-ea"/>
-                <a:cs typeface="+mn-cs"/>
-              </a:defRPr>
-            </a:lvl4pPr>
-            <a:lvl5pPr marL="2057400" lvl="4" indent="-228600" algn="l" defTabSz="914400" rtl="0" eaLnBrk="1" fontAlgn="base" latinLnBrk="0" hangingPunct="1">
-              <a:lnSpc>
-                <a:spcPct val="100000"/>
-              </a:lnSpc>
-              <a:spcBef>
-                <a:spcPct val="20000"/>
-              </a:spcBef>
-              <a:spcAft>
-                <a:spcPct val="0"/>
-              </a:spcAft>
-              <a:buChar char="»"/>
-              <a:defRPr sz="2000" b="0" i="0" u="none" kern="1200" baseline="0">
-                <a:solidFill>
-                  <a:schemeClr val="tx1"/>
-                </a:solidFill>
-                <a:latin typeface="+mn-lt"/>
-                <a:ea typeface="+mn-ea"/>
-                <a:cs typeface="+mn-cs"/>
-              </a:defRPr>
-            </a:lvl5pPr>
-            <a:lvl6pPr marL="2514600" lvl="5" indent="-228600" algn="l" defTabSz="914400" rtl="0" eaLnBrk="1" fontAlgn="base" latinLnBrk="0" hangingPunct="1">
-              <a:lnSpc>
-                <a:spcPct val="100000"/>
-              </a:lnSpc>
-              <a:spcBef>
-                <a:spcPct val="20000"/>
-              </a:spcBef>
-              <a:spcAft>
-                <a:spcPct val="0"/>
-              </a:spcAft>
-              <a:buChar char="»"/>
-              <a:defRPr sz="2000" b="0" i="0" u="none" kern="1200" baseline="0">
-                <a:solidFill>
-                  <a:schemeClr val="tx1"/>
-                </a:solidFill>
-                <a:latin typeface="+mn-lt"/>
-                <a:ea typeface="+mn-ea"/>
-                <a:cs typeface="+mn-cs"/>
-              </a:defRPr>
-            </a:lvl6pPr>
-            <a:lvl7pPr marL="2971800" lvl="6" indent="-228600" algn="l" defTabSz="914400" rtl="0" eaLnBrk="1" fontAlgn="base" latinLnBrk="0" hangingPunct="1">
-              <a:lnSpc>
-                <a:spcPct val="100000"/>
-              </a:lnSpc>
-              <a:spcBef>
-                <a:spcPct val="20000"/>
-              </a:spcBef>
-              <a:spcAft>
-                <a:spcPct val="0"/>
-              </a:spcAft>
-              <a:buChar char="»"/>
-              <a:defRPr sz="2000" b="0" i="0" u="none" kern="1200" baseline="0">
-                <a:solidFill>
-                  <a:schemeClr val="tx1"/>
-                </a:solidFill>
-                <a:latin typeface="+mn-lt"/>
-                <a:ea typeface="+mn-ea"/>
-                <a:cs typeface="+mn-cs"/>
-              </a:defRPr>
-            </a:lvl7pPr>
-            <a:lvl8pPr marL="3429000" lvl="7" indent="-228600" algn="l" defTabSz="914400" rtl="0" eaLnBrk="1" fontAlgn="base" latinLnBrk="0" hangingPunct="1">
-              <a:lnSpc>
-                <a:spcPct val="100000"/>
-              </a:lnSpc>
-              <a:spcBef>
-                <a:spcPct val="20000"/>
-              </a:spcBef>
-              <a:spcAft>
-                <a:spcPct val="0"/>
-              </a:spcAft>
-              <a:buChar char="»"/>
-              <a:defRPr sz="2000" b="0" i="0" u="none" kern="1200" baseline="0">
-                <a:solidFill>
-                  <a:schemeClr val="tx1"/>
-                </a:solidFill>
-                <a:latin typeface="+mn-lt"/>
-                <a:ea typeface="+mn-ea"/>
-                <a:cs typeface="+mn-cs"/>
-              </a:defRPr>
-            </a:lvl8pPr>
-            <a:lvl9pPr marL="3886200" lvl="8" indent="-228600" algn="l" defTabSz="914400" rtl="0" eaLnBrk="1" fontAlgn="base" latinLnBrk="0" hangingPunct="1">
-              <a:lnSpc>
-                <a:spcPct val="100000"/>
-              </a:lnSpc>
-              <a:spcBef>
-                <a:spcPct val="20000"/>
-              </a:spcBef>
-              <a:spcAft>
-                <a:spcPct val="0"/>
-              </a:spcAft>
-              <a:buChar char="»"/>
-              <a:defRPr sz="2000" b="0" i="0" u="none" kern="1200" baseline="0">
-                <a:solidFill>
-                  <a:schemeClr val="tx1"/>
-                </a:solidFill>
-                <a:latin typeface="+mn-lt"/>
-                <a:ea typeface="+mn-ea"/>
-                <a:cs typeface="+mn-cs"/>
-              </a:defRPr>
-            </a:lvl9pPr>
-          </a:lstStyle>
-          <a:p>
-            <a:pPr algn="just">
-              <a:buClr>
-                <a:schemeClr val="tx1"/>
-              </a:buClr>
-              <a:buFont typeface="Wingdings" panose="05000000000000000000" pitchFamily="2" charset="2"/>
-            </a:pPr>
-            <a:r>
-              <a:rPr sz="2200" b="0">
-                <a:latin typeface="Times New Roman" panose="02020603050405020304" pitchFamily="18" charset="0"/>
-              </a:rPr>
-              <a:t>在容器中运行交付式任务，只对正在运行的容器有效</a:t>
-            </a:r>
-            <a:endParaRPr sz="2200" b="0">
-              <a:latin typeface="Times New Roman" panose="02020603050405020304" pitchFamily="18" charset="0"/>
-            </a:endParaRPr>
-          </a:p>
-          <a:p>
-            <a:pPr algn="just">
-              <a:buClr>
-                <a:schemeClr val="tx1"/>
-              </a:buClr>
-              <a:buFont typeface="Wingdings" panose="05000000000000000000" pitchFamily="2" charset="2"/>
-            </a:pPr>
-            <a:r>
-              <a:rPr sz="2200" b="0">
-                <a:latin typeface="Times New Roman" panose="02020603050405020304" pitchFamily="18" charset="0"/>
-              </a:rPr>
-              <a:t>docker exec -</a:t>
-            </a:r>
-            <a:r>
-              <a:rPr lang="en-US" sz="2200" b="0">
-                <a:latin typeface="Times New Roman" panose="02020603050405020304" pitchFamily="18" charset="0"/>
-              </a:rPr>
-              <a:t>it </a:t>
-            </a:r>
-            <a:r>
-              <a:rPr sz="2200" b="0">
-                <a:latin typeface="Times New Roman" panose="02020603050405020304" pitchFamily="18" charset="0"/>
-              </a:rPr>
-              <a:t> </a:t>
-            </a:r>
-            <a:r>
-              <a:rPr lang="en-US" sz="2200" b="0">
-                <a:latin typeface="Times New Roman" panose="02020603050405020304" pitchFamily="18" charset="0"/>
-              </a:rPr>
-              <a:t>containerid </a:t>
-            </a:r>
-            <a:r>
-              <a:rPr sz="2200" b="0">
-                <a:latin typeface="Times New Roman" panose="02020603050405020304" pitchFamily="18" charset="0"/>
-              </a:rPr>
-              <a:t>/bin/bash</a:t>
-            </a:r>
-            <a:endParaRPr sz="2200" b="0">
-              <a:latin typeface="Times New Roman" panose="02020603050405020304" pitchFamily="18" charset="0"/>
-            </a:endParaRPr>
-          </a:p>
-        </p:txBody>
-      </p:sp>
       <p:pic>
         <p:nvPicPr>
-          <p:cNvPr id="2" name="图片 1"/>
+          <p:cNvPr id="5" name="图片 4"/>
           <p:cNvPicPr>
             <a:picLocks noChangeAspect="1"/>
           </p:cNvPicPr>
@@ -5228,8 +5272,8 @@
         </p:blipFill>
         <p:spPr>
           <a:xfrm>
-            <a:off x="187325" y="3432175"/>
-            <a:ext cx="11796395" cy="2367915"/>
+            <a:off x="156845" y="3257550"/>
+            <a:ext cx="11877675" cy="2428875"/>
           </a:xfrm>
           <a:prstGeom prst="rect">
             <a:avLst/>
@@ -5310,8 +5354,8 @@
         </p:nvSpPr>
         <p:spPr bwMode="auto">
           <a:xfrm>
-            <a:off x="814175" y="377124"/>
-            <a:ext cx="4008438" cy="723900"/>
+            <a:off x="814070" y="377190"/>
+            <a:ext cx="7177405" cy="723900"/>
           </a:xfrm>
           <a:prstGeom prst="rect">
             <a:avLst/>
@@ -5376,8 +5420,8 @@
         </p:nvSpPr>
         <p:spPr bwMode="auto">
           <a:xfrm>
-            <a:off x="981075" y="1580515"/>
-            <a:ext cx="10475595" cy="718820"/>
+            <a:off x="858520" y="1414145"/>
+            <a:ext cx="10475595" cy="552450"/>
           </a:xfrm>
           <a:prstGeom prst="rect">
             <a:avLst/>
@@ -5389,7 +5433,10 @@
             <a:noAutofit/>
           </a:bodyPr>
           <a:p>
-            <a:pPr>
+            <a:pPr fontAlgn="auto">
+              <a:lnSpc>
+                <a:spcPct val="150000"/>
+              </a:lnSpc>
               <a:buBlip>
                 <a:blip r:embed="rId3"/>
               </a:buBlip>
@@ -5411,7 +5458,7 @@
                 </a:solidFill>
                 <a:cs typeface="Arial" panose="020B0604020202020204" pitchFamily="34" charset="0"/>
               </a:rPr>
-              <a:t>docker commit </a:t>
+              <a:t>docker  exec  </a:t>
             </a:r>
             <a:endParaRPr lang="en-US" sz="2800" b="1" dirty="0">
               <a:solidFill>
@@ -5635,25 +5682,82 @@
               <a:buFont typeface="Wingdings" panose="05000000000000000000" pitchFamily="2" charset="2"/>
             </a:pPr>
             <a:r>
-              <a:rPr lang="en-US" altLang="zh-CN" sz="2200" b="0">
+              <a:rPr sz="2200" b="0">
                 <a:latin typeface="Times New Roman" panose="02020603050405020304" pitchFamily="18" charset="0"/>
               </a:rPr>
-              <a:t>    </a:t>
-            </a:r>
-            <a:r>
-              <a:rPr lang="zh-CN" altLang="en-US" sz="2200" b="0" dirty="0">
+              <a:t>在容器中运行交付式任务，只对正在运行的容器有效</a:t>
+            </a:r>
+            <a:endParaRPr sz="2200" b="0">
+              <a:latin typeface="Times New Roman" panose="02020603050405020304" pitchFamily="18" charset="0"/>
+            </a:endParaRPr>
+          </a:p>
+          <a:p>
+            <a:pPr algn="just">
+              <a:buClr>
+                <a:schemeClr val="tx1"/>
+              </a:buClr>
+              <a:buFont typeface="Wingdings" panose="05000000000000000000" pitchFamily="2" charset="2"/>
+            </a:pPr>
+            <a:r>
+              <a:rPr sz="2200" b="0">
                 <a:latin typeface="Times New Roman" panose="02020603050405020304" pitchFamily="18" charset="0"/>
-                <a:sym typeface="+mn-ea"/>
-              </a:rPr>
-              <a:t>将container保存为一个image</a:t>
-            </a:r>
-            <a:endParaRPr lang="zh-CN" altLang="en-US" sz="2200" b="0" dirty="0">
+              </a:rPr>
+              <a:t>docker exec -</a:t>
+            </a:r>
+            <a:r>
+              <a:rPr lang="en-US" sz="2200" b="0">
+                <a:latin typeface="Times New Roman" panose="02020603050405020304" pitchFamily="18" charset="0"/>
+              </a:rPr>
+              <a:t>it </a:t>
+            </a:r>
+            <a:r>
+              <a:rPr sz="2200" b="0">
+                <a:latin typeface="Times New Roman" panose="02020603050405020304" pitchFamily="18" charset="0"/>
+              </a:rPr>
+              <a:t> </a:t>
+            </a:r>
+            <a:r>
+              <a:rPr lang="en-US" sz="2200" b="0">
+                <a:latin typeface="Times New Roman" panose="02020603050405020304" pitchFamily="18" charset="0"/>
+              </a:rPr>
+              <a:t>containerid </a:t>
+            </a:r>
+            <a:r>
+              <a:rPr sz="2200" b="0">
+                <a:latin typeface="Times New Roman" panose="02020603050405020304" pitchFamily="18" charset="0"/>
+              </a:rPr>
+              <a:t>/bin/bash</a:t>
+            </a:r>
+            <a:endParaRPr sz="2200" b="0">
               <a:latin typeface="Times New Roman" panose="02020603050405020304" pitchFamily="18" charset="0"/>
-              <a:sym typeface="+mn-ea"/>
             </a:endParaRPr>
           </a:p>
         </p:txBody>
       </p:sp>
+      <p:pic>
+        <p:nvPicPr>
+          <p:cNvPr id="2" name="图片 1"/>
+          <p:cNvPicPr>
+            <a:picLocks noChangeAspect="1"/>
+          </p:cNvPicPr>
+          <p:nvPr/>
+        </p:nvPicPr>
+        <p:blipFill>
+          <a:blip r:embed="rId4"/>
+          <a:stretch>
+            <a:fillRect/>
+          </a:stretch>
+        </p:blipFill>
+        <p:spPr>
+          <a:xfrm>
+            <a:off x="187325" y="3432175"/>
+            <a:ext cx="11796395" cy="2367915"/>
+          </a:xfrm>
+          <a:prstGeom prst="rect">
+            <a:avLst/>
+          </a:prstGeom>
+        </p:spPr>
+      </p:pic>
     </p:spTree>
   </p:cSld>
   <p:clrMapOvr>
@@ -5829,7 +5933,7 @@
                 </a:solidFill>
                 <a:cs typeface="Arial" panose="020B0604020202020204" pitchFamily="34" charset="0"/>
               </a:rPr>
-              <a:t>docker top</a:t>
+              <a:t>docker commit </a:t>
             </a:r>
             <a:endParaRPr lang="en-US" sz="2800" b="1" dirty="0">
               <a:solidFill>
@@ -6063,7 +6167,7 @@
                 <a:latin typeface="Times New Roman" panose="02020603050405020304" pitchFamily="18" charset="0"/>
                 <a:sym typeface="+mn-ea"/>
               </a:rPr>
-              <a:t>查看容器内部的进程信息</a:t>
+              <a:t>将container保存为一个image</a:t>
             </a:r>
             <a:endParaRPr lang="zh-CN" altLang="en-US" sz="2200" b="0" dirty="0">
               <a:latin typeface="Times New Roman" panose="02020603050405020304" pitchFamily="18" charset="0"/>
@@ -6171,6 +6275,7 @@
                   </a:schemeClr>
                 </a:solidFill>
                 <a:cs typeface="Arial" panose="020B0604020202020204" pitchFamily="34" charset="0"/>
+                <a:sym typeface="+mn-ea"/>
               </a:rPr>
               <a:t>docker </a:t>
             </a:r>
@@ -6183,8 +6288,9 @@
                   </a:schemeClr>
                 </a:solidFill>
                 <a:cs typeface="Arial" panose="020B0604020202020204" pitchFamily="34" charset="0"/>
-              </a:rPr>
-              <a:t>删除</a:t>
+                <a:sym typeface="+mn-ea"/>
+              </a:rPr>
+              <a:t>容器</a:t>
             </a:r>
             <a:endParaRPr lang="zh-CN" altLang="en-US" sz="4000" b="1" dirty="0">
               <a:solidFill>
@@ -6245,7 +6351,7 @@
                 </a:solidFill>
                 <a:cs typeface="Arial" panose="020B0604020202020204" pitchFamily="34" charset="0"/>
               </a:rPr>
-              <a:t>docker  rm</a:t>
+              <a:t>docker top</a:t>
             </a:r>
             <a:endParaRPr lang="en-US" sz="2800" b="1" dirty="0">
               <a:solidFill>
@@ -6256,54 +6362,238 @@
           </a:p>
         </p:txBody>
       </p:sp>
-      <p:pic>
-        <p:nvPicPr>
-          <p:cNvPr id="2" name="图片 1"/>
-          <p:cNvPicPr>
-            <a:picLocks noChangeAspect="1"/>
-          </p:cNvPicPr>
+      <p:sp>
+        <p:nvSpPr>
+          <p:cNvPr id="76803" name="内容占位符 76802"/>
+          <p:cNvSpPr>
+            <a:spLocks noGrp="1"/>
+          </p:cNvSpPr>
           <p:nvPr/>
-        </p:nvPicPr>
-        <p:blipFill>
-          <a:blip r:embed="rId4"/>
-          <a:stretch>
-            <a:fillRect/>
-          </a:stretch>
-        </p:blipFill>
+        </p:nvSpPr>
         <p:spPr>
           <a:xfrm>
-            <a:off x="1491615" y="2515870"/>
-            <a:ext cx="8610600" cy="1264920"/>
+            <a:off x="1078865" y="2299335"/>
+            <a:ext cx="10013315" cy="3816350"/>
           </a:xfrm>
           <a:prstGeom prst="rect">
             <a:avLst/>
           </a:prstGeom>
+          <a:noFill/>
+          <a:ln w="9525">
+            <a:noFill/>
+          </a:ln>
         </p:spPr>
-      </p:pic>
-      <p:pic>
-        <p:nvPicPr>
-          <p:cNvPr id="4" name="图片 3"/>
-          <p:cNvPicPr>
-            <a:picLocks noChangeAspect="1"/>
-          </p:cNvPicPr>
-          <p:nvPr/>
-        </p:nvPicPr>
-        <p:blipFill>
-          <a:blip r:embed="rId5"/>
-          <a:stretch>
-            <a:fillRect/>
-          </a:stretch>
-        </p:blipFill>
-        <p:spPr>
-          <a:xfrm>
-            <a:off x="1491615" y="3997325"/>
-            <a:ext cx="8611235" cy="1452245"/>
-          </a:xfrm>
-          <a:prstGeom prst="rect">
-            <a:avLst/>
-          </a:prstGeom>
-        </p:spPr>
-      </p:pic>
+        <p:txBody>
+          <a:bodyPr anchor="t"/>
+          <a:lstStyle>
+            <a:lvl1pPr marL="0" lvl="0" indent="0" algn="l" defTabSz="914400" rtl="0" eaLnBrk="1" fontAlgn="base" latinLnBrk="0" hangingPunct="1">
+              <a:lnSpc>
+                <a:spcPct val="120000"/>
+              </a:lnSpc>
+              <a:spcBef>
+                <a:spcPct val="20000"/>
+              </a:spcBef>
+              <a:spcAft>
+                <a:spcPct val="0"/>
+              </a:spcAft>
+              <a:buNone/>
+              <a:defRPr sz="2800" b="1" i="0" u="none" kern="1200" baseline="0">
+                <a:solidFill>
+                  <a:schemeClr val="tx1"/>
+                </a:solidFill>
+                <a:latin typeface="+mn-lt"/>
+                <a:ea typeface="+mn-ea"/>
+                <a:cs typeface="+mn-cs"/>
+              </a:defRPr>
+            </a:lvl1pPr>
+            <a:lvl2pPr marL="758825" lvl="1" indent="-285750" algn="l" defTabSz="914400" rtl="0" eaLnBrk="1" fontAlgn="base" latinLnBrk="0" hangingPunct="1">
+              <a:lnSpc>
+                <a:spcPct val="100000"/>
+              </a:lnSpc>
+              <a:spcBef>
+                <a:spcPct val="20000"/>
+              </a:spcBef>
+              <a:spcAft>
+                <a:spcPct val="0"/>
+              </a:spcAft>
+              <a:buChar char="–"/>
+              <a:defRPr sz="2800" b="0" i="0" u="none" kern="1200" baseline="0">
+                <a:solidFill>
+                  <a:schemeClr val="tx1"/>
+                </a:solidFill>
+                <a:latin typeface="+mn-lt"/>
+                <a:ea typeface="+mn-ea"/>
+                <a:cs typeface="+mn-cs"/>
+              </a:defRPr>
+            </a:lvl2pPr>
+            <a:lvl3pPr marL="1177925" lvl="2" indent="-228600" algn="l" defTabSz="914400" rtl="0" eaLnBrk="1" fontAlgn="base" latinLnBrk="0" hangingPunct="1">
+              <a:lnSpc>
+                <a:spcPct val="100000"/>
+              </a:lnSpc>
+              <a:spcBef>
+                <a:spcPct val="20000"/>
+              </a:spcBef>
+              <a:spcAft>
+                <a:spcPct val="0"/>
+              </a:spcAft>
+              <a:buChar char="•"/>
+              <a:defRPr sz="2400" b="0" i="0" u="none" kern="1200" baseline="0">
+                <a:solidFill>
+                  <a:schemeClr val="tx1"/>
+                </a:solidFill>
+                <a:latin typeface="+mn-lt"/>
+                <a:ea typeface="+mn-ea"/>
+                <a:cs typeface="+mn-cs"/>
+              </a:defRPr>
+            </a:lvl3pPr>
+            <a:lvl4pPr marL="1600200" lvl="3" indent="-228600" algn="l" defTabSz="914400" rtl="0" eaLnBrk="1" fontAlgn="base" latinLnBrk="0" hangingPunct="1">
+              <a:lnSpc>
+                <a:spcPct val="100000"/>
+              </a:lnSpc>
+              <a:spcBef>
+                <a:spcPct val="20000"/>
+              </a:spcBef>
+              <a:spcAft>
+                <a:spcPct val="0"/>
+              </a:spcAft>
+              <a:buChar char="–"/>
+              <a:defRPr sz="2000" b="0" i="0" u="none" kern="1200" baseline="0">
+                <a:solidFill>
+                  <a:schemeClr val="tx1"/>
+                </a:solidFill>
+                <a:latin typeface="+mn-lt"/>
+                <a:ea typeface="+mn-ea"/>
+                <a:cs typeface="+mn-cs"/>
+              </a:defRPr>
+            </a:lvl4pPr>
+            <a:lvl5pPr marL="2057400" lvl="4" indent="-228600" algn="l" defTabSz="914400" rtl="0" eaLnBrk="1" fontAlgn="base" latinLnBrk="0" hangingPunct="1">
+              <a:lnSpc>
+                <a:spcPct val="100000"/>
+              </a:lnSpc>
+              <a:spcBef>
+                <a:spcPct val="20000"/>
+              </a:spcBef>
+              <a:spcAft>
+                <a:spcPct val="0"/>
+              </a:spcAft>
+              <a:buChar char="»"/>
+              <a:defRPr sz="2000" b="0" i="0" u="none" kern="1200" baseline="0">
+                <a:solidFill>
+                  <a:schemeClr val="tx1"/>
+                </a:solidFill>
+                <a:latin typeface="+mn-lt"/>
+                <a:ea typeface="+mn-ea"/>
+                <a:cs typeface="+mn-cs"/>
+              </a:defRPr>
+            </a:lvl5pPr>
+            <a:lvl6pPr marL="2514600" lvl="5" indent="-228600" algn="l" defTabSz="914400" rtl="0" eaLnBrk="1" fontAlgn="base" latinLnBrk="0" hangingPunct="1">
+              <a:lnSpc>
+                <a:spcPct val="100000"/>
+              </a:lnSpc>
+              <a:spcBef>
+                <a:spcPct val="20000"/>
+              </a:spcBef>
+              <a:spcAft>
+                <a:spcPct val="0"/>
+              </a:spcAft>
+              <a:buChar char="»"/>
+              <a:defRPr sz="2000" b="0" i="0" u="none" kern="1200" baseline="0">
+                <a:solidFill>
+                  <a:schemeClr val="tx1"/>
+                </a:solidFill>
+                <a:latin typeface="+mn-lt"/>
+                <a:ea typeface="+mn-ea"/>
+                <a:cs typeface="+mn-cs"/>
+              </a:defRPr>
+            </a:lvl6pPr>
+            <a:lvl7pPr marL="2971800" lvl="6" indent="-228600" algn="l" defTabSz="914400" rtl="0" eaLnBrk="1" fontAlgn="base" latinLnBrk="0" hangingPunct="1">
+              <a:lnSpc>
+                <a:spcPct val="100000"/>
+              </a:lnSpc>
+              <a:spcBef>
+                <a:spcPct val="20000"/>
+              </a:spcBef>
+              <a:spcAft>
+                <a:spcPct val="0"/>
+              </a:spcAft>
+              <a:buChar char="»"/>
+              <a:defRPr sz="2000" b="0" i="0" u="none" kern="1200" baseline="0">
+                <a:solidFill>
+                  <a:schemeClr val="tx1"/>
+                </a:solidFill>
+                <a:latin typeface="+mn-lt"/>
+                <a:ea typeface="+mn-ea"/>
+                <a:cs typeface="+mn-cs"/>
+              </a:defRPr>
+            </a:lvl7pPr>
+            <a:lvl8pPr marL="3429000" lvl="7" indent="-228600" algn="l" defTabSz="914400" rtl="0" eaLnBrk="1" fontAlgn="base" latinLnBrk="0" hangingPunct="1">
+              <a:lnSpc>
+                <a:spcPct val="100000"/>
+              </a:lnSpc>
+              <a:spcBef>
+                <a:spcPct val="20000"/>
+              </a:spcBef>
+              <a:spcAft>
+                <a:spcPct val="0"/>
+              </a:spcAft>
+              <a:buChar char="»"/>
+              <a:defRPr sz="2000" b="0" i="0" u="none" kern="1200" baseline="0">
+                <a:solidFill>
+                  <a:schemeClr val="tx1"/>
+                </a:solidFill>
+                <a:latin typeface="+mn-lt"/>
+                <a:ea typeface="+mn-ea"/>
+                <a:cs typeface="+mn-cs"/>
+              </a:defRPr>
+            </a:lvl8pPr>
+            <a:lvl9pPr marL="3886200" lvl="8" indent="-228600" algn="l" defTabSz="914400" rtl="0" eaLnBrk="1" fontAlgn="base" latinLnBrk="0" hangingPunct="1">
+              <a:lnSpc>
+                <a:spcPct val="100000"/>
+              </a:lnSpc>
+              <a:spcBef>
+                <a:spcPct val="20000"/>
+              </a:spcBef>
+              <a:spcAft>
+                <a:spcPct val="0"/>
+              </a:spcAft>
+              <a:buChar char="»"/>
+              <a:defRPr sz="2000" b="0" i="0" u="none" kern="1200" baseline="0">
+                <a:solidFill>
+                  <a:schemeClr val="tx1"/>
+                </a:solidFill>
+                <a:latin typeface="+mn-lt"/>
+                <a:ea typeface="+mn-ea"/>
+                <a:cs typeface="+mn-cs"/>
+              </a:defRPr>
+            </a:lvl9pPr>
+          </a:lstStyle>
+          <a:p>
+            <a:pPr algn="just">
+              <a:buClr>
+                <a:schemeClr val="tx1"/>
+              </a:buClr>
+              <a:buFont typeface="Wingdings" panose="05000000000000000000" pitchFamily="2" charset="2"/>
+            </a:pPr>
+            <a:r>
+              <a:rPr lang="en-US" altLang="zh-CN" sz="2200" b="0">
+                <a:latin typeface="Times New Roman" panose="02020603050405020304" pitchFamily="18" charset="0"/>
+              </a:rPr>
+              <a:t>    </a:t>
+            </a:r>
+            <a:r>
+              <a:rPr lang="zh-CN" altLang="en-US" sz="2200" b="0" dirty="0">
+                <a:latin typeface="Times New Roman" panose="02020603050405020304" pitchFamily="18" charset="0"/>
+                <a:sym typeface="+mn-ea"/>
+              </a:rPr>
+              <a:t>查看容器内部的进程信息</a:t>
+            </a:r>
+            <a:endParaRPr lang="zh-CN" altLang="en-US" sz="2200" b="0" dirty="0">
+              <a:latin typeface="Times New Roman" panose="02020603050405020304" pitchFamily="18" charset="0"/>
+              <a:sym typeface="+mn-ea"/>
+            </a:endParaRPr>
+          </a:p>
+        </p:txBody>
+      </p:sp>
     </p:spTree>
   </p:cSld>
   <p:clrMapOvr>
@@ -6403,12 +6693,11 @@
                   </a:schemeClr>
                 </a:solidFill>
                 <a:cs typeface="Arial" panose="020B0604020202020204" pitchFamily="34" charset="0"/>
-                <a:sym typeface="+mn-ea"/>
               </a:rPr>
               <a:t>docker </a:t>
             </a:r>
             <a:r>
-              <a:rPr lang="en-US" altLang="zh-CN" sz="4000" b="1" dirty="0">
+              <a:rPr lang="zh-CN" altLang="en-US" sz="4000" b="1" dirty="0">
                 <a:solidFill>
                   <a:schemeClr val="tx1">
                     <a:lumMod val="75000"/>
@@ -6416,9 +6705,8 @@
                   </a:schemeClr>
                 </a:solidFill>
                 <a:cs typeface="Arial" panose="020B0604020202020204" pitchFamily="34" charset="0"/>
-                <a:sym typeface="+mn-ea"/>
-              </a:rPr>
-              <a:t>file</a:t>
+              </a:rPr>
+              <a:t>删除</a:t>
             </a:r>
             <a:endParaRPr lang="zh-CN" altLang="en-US" sz="4000" b="1" dirty="0">
               <a:solidFill>
@@ -6428,290 +6716,116 @@
                 </a:schemeClr>
               </a:solidFill>
               <a:cs typeface="Arial" panose="020B0604020202020204" pitchFamily="34" charset="0"/>
-              <a:sym typeface="+mn-ea"/>
             </a:endParaRPr>
           </a:p>
         </p:txBody>
       </p:sp>
       <p:sp>
         <p:nvSpPr>
-          <p:cNvPr id="76803" name="内容占位符 76802"/>
-          <p:cNvSpPr>
-            <a:spLocks noGrp="1"/>
-          </p:cNvSpPr>
-          <p:nvPr/>
+          <p:cNvPr id="3" name="文本框 2"/>
+          <p:cNvSpPr txBox="1"/>
+          <p:nvPr>
+            <p:custDataLst>
+              <p:tags r:id="rId2"/>
+            </p:custDataLst>
+          </p:nvPr>
         </p:nvSpPr>
-        <p:spPr>
+        <p:spPr bwMode="auto">
           <a:xfrm>
-            <a:off x="1089025" y="1682115"/>
-            <a:ext cx="10013315" cy="3816350"/>
+            <a:off x="981075" y="1580515"/>
+            <a:ext cx="10475595" cy="718820"/>
           </a:xfrm>
           <a:prstGeom prst="rect">
             <a:avLst/>
           </a:prstGeom>
           <a:noFill/>
-          <a:ln w="9525">
-            <a:noFill/>
-          </a:ln>
         </p:spPr>
         <p:txBody>
-          <a:bodyPr anchor="t"/>
-          <a:lstStyle>
-            <a:lvl1pPr marL="0" lvl="0" indent="0" algn="l" defTabSz="914400" rtl="0" eaLnBrk="1" fontAlgn="base" latinLnBrk="0" hangingPunct="1">
-              <a:lnSpc>
-                <a:spcPct val="120000"/>
-              </a:lnSpc>
-              <a:spcBef>
-                <a:spcPct val="20000"/>
-              </a:spcBef>
-              <a:spcAft>
-                <a:spcPct val="0"/>
-              </a:spcAft>
-              <a:buNone/>
-              <a:defRPr sz="2800" b="1" i="0" u="none" kern="1200" baseline="0">
-                <a:solidFill>
-                  <a:schemeClr val="tx1"/>
-                </a:solidFill>
-                <a:latin typeface="+mn-lt"/>
-                <a:ea typeface="+mn-ea"/>
-                <a:cs typeface="+mn-cs"/>
-              </a:defRPr>
-            </a:lvl1pPr>
-            <a:lvl2pPr marL="758825" lvl="1" indent="-285750" algn="l" defTabSz="914400" rtl="0" eaLnBrk="1" fontAlgn="base" latinLnBrk="0" hangingPunct="1">
-              <a:lnSpc>
-                <a:spcPct val="100000"/>
-              </a:lnSpc>
-              <a:spcBef>
-                <a:spcPct val="20000"/>
-              </a:spcBef>
-              <a:spcAft>
-                <a:spcPct val="0"/>
-              </a:spcAft>
-              <a:buChar char="–"/>
-              <a:defRPr sz="2800" b="0" i="0" u="none" kern="1200" baseline="0">
-                <a:solidFill>
-                  <a:schemeClr val="tx1"/>
-                </a:solidFill>
-                <a:latin typeface="+mn-lt"/>
-                <a:ea typeface="+mn-ea"/>
-                <a:cs typeface="+mn-cs"/>
-              </a:defRPr>
-            </a:lvl2pPr>
-            <a:lvl3pPr marL="1177925" lvl="2" indent="-228600" algn="l" defTabSz="914400" rtl="0" eaLnBrk="1" fontAlgn="base" latinLnBrk="0" hangingPunct="1">
-              <a:lnSpc>
-                <a:spcPct val="100000"/>
-              </a:lnSpc>
-              <a:spcBef>
-                <a:spcPct val="20000"/>
-              </a:spcBef>
-              <a:spcAft>
-                <a:spcPct val="0"/>
-              </a:spcAft>
-              <a:buChar char="•"/>
-              <a:defRPr sz="2400" b="0" i="0" u="none" kern="1200" baseline="0">
-                <a:solidFill>
-                  <a:schemeClr val="tx1"/>
-                </a:solidFill>
-                <a:latin typeface="+mn-lt"/>
-                <a:ea typeface="+mn-ea"/>
-                <a:cs typeface="+mn-cs"/>
-              </a:defRPr>
-            </a:lvl3pPr>
-            <a:lvl4pPr marL="1600200" lvl="3" indent="-228600" algn="l" defTabSz="914400" rtl="0" eaLnBrk="1" fontAlgn="base" latinLnBrk="0" hangingPunct="1">
-              <a:lnSpc>
-                <a:spcPct val="100000"/>
-              </a:lnSpc>
-              <a:spcBef>
-                <a:spcPct val="20000"/>
-              </a:spcBef>
-              <a:spcAft>
-                <a:spcPct val="0"/>
-              </a:spcAft>
-              <a:buChar char="–"/>
-              <a:defRPr sz="2000" b="0" i="0" u="none" kern="1200" baseline="0">
-                <a:solidFill>
-                  <a:schemeClr val="tx1"/>
-                </a:solidFill>
-                <a:latin typeface="+mn-lt"/>
-                <a:ea typeface="+mn-ea"/>
-                <a:cs typeface="+mn-cs"/>
-              </a:defRPr>
-            </a:lvl4pPr>
-            <a:lvl5pPr marL="2057400" lvl="4" indent="-228600" algn="l" defTabSz="914400" rtl="0" eaLnBrk="1" fontAlgn="base" latinLnBrk="0" hangingPunct="1">
-              <a:lnSpc>
-                <a:spcPct val="100000"/>
-              </a:lnSpc>
-              <a:spcBef>
-                <a:spcPct val="20000"/>
-              </a:spcBef>
-              <a:spcAft>
-                <a:spcPct val="0"/>
-              </a:spcAft>
-              <a:buChar char="»"/>
-              <a:defRPr sz="2000" b="0" i="0" u="none" kern="1200" baseline="0">
-                <a:solidFill>
-                  <a:schemeClr val="tx1"/>
-                </a:solidFill>
-                <a:latin typeface="+mn-lt"/>
-                <a:ea typeface="+mn-ea"/>
-                <a:cs typeface="+mn-cs"/>
-              </a:defRPr>
-            </a:lvl5pPr>
-            <a:lvl6pPr marL="2514600" lvl="5" indent="-228600" algn="l" defTabSz="914400" rtl="0" eaLnBrk="1" fontAlgn="base" latinLnBrk="0" hangingPunct="1">
-              <a:lnSpc>
-                <a:spcPct val="100000"/>
-              </a:lnSpc>
-              <a:spcBef>
-                <a:spcPct val="20000"/>
-              </a:spcBef>
-              <a:spcAft>
-                <a:spcPct val="0"/>
-              </a:spcAft>
-              <a:buChar char="»"/>
-              <a:defRPr sz="2000" b="0" i="0" u="none" kern="1200" baseline="0">
-                <a:solidFill>
-                  <a:schemeClr val="tx1"/>
-                </a:solidFill>
-                <a:latin typeface="+mn-lt"/>
-                <a:ea typeface="+mn-ea"/>
-                <a:cs typeface="+mn-cs"/>
-              </a:defRPr>
-            </a:lvl6pPr>
-            <a:lvl7pPr marL="2971800" lvl="6" indent="-228600" algn="l" defTabSz="914400" rtl="0" eaLnBrk="1" fontAlgn="base" latinLnBrk="0" hangingPunct="1">
-              <a:lnSpc>
-                <a:spcPct val="100000"/>
-              </a:lnSpc>
-              <a:spcBef>
-                <a:spcPct val="20000"/>
-              </a:spcBef>
-              <a:spcAft>
-                <a:spcPct val="0"/>
-              </a:spcAft>
-              <a:buChar char="»"/>
-              <a:defRPr sz="2000" b="0" i="0" u="none" kern="1200" baseline="0">
-                <a:solidFill>
-                  <a:schemeClr val="tx1"/>
-                </a:solidFill>
-                <a:latin typeface="+mn-lt"/>
-                <a:ea typeface="+mn-ea"/>
-                <a:cs typeface="+mn-cs"/>
-              </a:defRPr>
-            </a:lvl7pPr>
-            <a:lvl8pPr marL="3429000" lvl="7" indent="-228600" algn="l" defTabSz="914400" rtl="0" eaLnBrk="1" fontAlgn="base" latinLnBrk="0" hangingPunct="1">
-              <a:lnSpc>
-                <a:spcPct val="100000"/>
-              </a:lnSpc>
-              <a:spcBef>
-                <a:spcPct val="20000"/>
-              </a:spcBef>
-              <a:spcAft>
-                <a:spcPct val="0"/>
-              </a:spcAft>
-              <a:buChar char="»"/>
-              <a:defRPr sz="2000" b="0" i="0" u="none" kern="1200" baseline="0">
-                <a:solidFill>
-                  <a:schemeClr val="tx1"/>
-                </a:solidFill>
-                <a:latin typeface="+mn-lt"/>
-                <a:ea typeface="+mn-ea"/>
-                <a:cs typeface="+mn-cs"/>
-              </a:defRPr>
-            </a:lvl8pPr>
-            <a:lvl9pPr marL="3886200" lvl="8" indent="-228600" algn="l" defTabSz="914400" rtl="0" eaLnBrk="1" fontAlgn="base" latinLnBrk="0" hangingPunct="1">
-              <a:lnSpc>
-                <a:spcPct val="100000"/>
-              </a:lnSpc>
-              <a:spcBef>
-                <a:spcPct val="20000"/>
-              </a:spcBef>
-              <a:spcAft>
-                <a:spcPct val="0"/>
-              </a:spcAft>
-              <a:buChar char="»"/>
-              <a:defRPr sz="2000" b="0" i="0" u="none" kern="1200" baseline="0">
-                <a:solidFill>
-                  <a:schemeClr val="tx1"/>
-                </a:solidFill>
-                <a:latin typeface="+mn-lt"/>
-                <a:ea typeface="+mn-ea"/>
-                <a:cs typeface="+mn-cs"/>
-              </a:defRPr>
-            </a:lvl9pPr>
-          </a:lstStyle>
+          <a:bodyPr anchor="ctr">
+            <a:noAutofit/>
+          </a:bodyPr>
           <a:p>
-            <a:pPr marL="342900" indent="-342900" algn="just">
-              <a:lnSpc>
-                <a:spcPct val="150000"/>
-              </a:lnSpc>
-              <a:spcBef>
-                <a:spcPts val="0"/>
-              </a:spcBef>
-              <a:buClr>
-                <a:schemeClr val="tx1"/>
-              </a:buClr>
-              <a:buFont typeface="Arial" panose="020B0604020202020204" pitchFamily="34" charset="0"/>
-              <a:buChar char="•"/>
+            <a:pPr>
+              <a:buBlip>
+                <a:blip r:embed="rId3"/>
+              </a:buBlip>
+              <a:defRPr/>
             </a:pPr>
             <a:r>
-              <a:rPr sz="2200" b="0">
-                <a:latin typeface="Times New Roman" panose="02020603050405020304" pitchFamily="18" charset="0"/>
-              </a:rPr>
-              <a:t>Dockerfile是由一系列命令和参数构成的脚本，这些命令应用于基础镜像并最终创建一个新的镜像。</a:t>
-            </a:r>
-            <a:endParaRPr sz="2200" b="0">
-              <a:latin typeface="Times New Roman" panose="02020603050405020304" pitchFamily="18" charset="0"/>
-            </a:endParaRPr>
-          </a:p>
-          <a:p>
-            <a:pPr marL="342900" indent="-342900" algn="just">
-              <a:lnSpc>
-                <a:spcPct val="150000"/>
-              </a:lnSpc>
-              <a:spcBef>
-                <a:spcPts val="0"/>
-              </a:spcBef>
-              <a:buClr>
-                <a:schemeClr val="tx1"/>
-              </a:buClr>
-              <a:buFont typeface="Arial" panose="020B0604020202020204" pitchFamily="34" charset="0"/>
-              <a:buChar char="•"/>
-            </a:pPr>
-            <a:r>
-              <a:rPr sz="2200" b="0">
-                <a:latin typeface="Times New Roman" panose="02020603050405020304" pitchFamily="18" charset="0"/>
-              </a:rPr>
-              <a:t>简化了从头到尾的流程并极大的简化了部署工作。</a:t>
-            </a:r>
-            <a:endParaRPr sz="2200" b="0">
-              <a:latin typeface="Times New Roman" panose="02020603050405020304" pitchFamily="18" charset="0"/>
-            </a:endParaRPr>
-          </a:p>
-          <a:p>
-            <a:pPr marL="342900" indent="-342900" algn="just">
-              <a:lnSpc>
-                <a:spcPct val="150000"/>
-              </a:lnSpc>
-              <a:spcBef>
-                <a:spcPts val="0"/>
-              </a:spcBef>
-              <a:buClr>
-                <a:schemeClr val="tx1"/>
-              </a:buClr>
-              <a:buFont typeface="Arial" panose="020B0604020202020204" pitchFamily="34" charset="0"/>
-              <a:buChar char="•"/>
-            </a:pPr>
-            <a:r>
-              <a:rPr sz="2200" b="0">
-                <a:latin typeface="Times New Roman" panose="02020603050405020304" pitchFamily="18" charset="0"/>
-              </a:rPr>
-              <a:t>Dockerfile从FROM命令开始，紧接着跟随者各种方法，命令和参数。其产出为一个新的可以用于创建容器的镜像。</a:t>
-            </a:r>
-            <a:endParaRPr sz="2200" b="0">
-              <a:latin typeface="Times New Roman" panose="02020603050405020304" pitchFamily="18" charset="0"/>
+              <a:rPr lang="en-US" altLang="zh-CN" sz="2800" b="1" dirty="0">
+                <a:solidFill>
+                  <a:srgbClr val="C00000"/>
+                </a:solidFill>
+                <a:cs typeface="Arial" panose="020B0604020202020204" pitchFamily="34" charset="0"/>
+              </a:rPr>
+              <a:t> </a:t>
+            </a:r>
+            <a:r>
+              <a:rPr lang="en-US" sz="2800" b="1" dirty="0">
+                <a:solidFill>
+                  <a:srgbClr val="C00000"/>
+                </a:solidFill>
+                <a:cs typeface="Arial" panose="020B0604020202020204" pitchFamily="34" charset="0"/>
+              </a:rPr>
+              <a:t>docker  rm</a:t>
+            </a:r>
+            <a:endParaRPr lang="en-US" sz="2800" b="1" dirty="0">
+              <a:solidFill>
+                <a:srgbClr val="C00000"/>
+              </a:solidFill>
+              <a:cs typeface="Arial" panose="020B0604020202020204" pitchFamily="34" charset="0"/>
             </a:endParaRPr>
           </a:p>
         </p:txBody>
       </p:sp>
+      <p:pic>
+        <p:nvPicPr>
+          <p:cNvPr id="2" name="图片 1"/>
+          <p:cNvPicPr>
+            <a:picLocks noChangeAspect="1"/>
+          </p:cNvPicPr>
+          <p:nvPr/>
+        </p:nvPicPr>
+        <p:blipFill>
+          <a:blip r:embed="rId4"/>
+          <a:stretch>
+            <a:fillRect/>
+          </a:stretch>
+        </p:blipFill>
+        <p:spPr>
+          <a:xfrm>
+            <a:off x="1491615" y="2515870"/>
+            <a:ext cx="8610600" cy="1264920"/>
+          </a:xfrm>
+          <a:prstGeom prst="rect">
+            <a:avLst/>
+          </a:prstGeom>
+        </p:spPr>
+      </p:pic>
+      <p:pic>
+        <p:nvPicPr>
+          <p:cNvPr id="4" name="图片 3"/>
+          <p:cNvPicPr>
+            <a:picLocks noChangeAspect="1"/>
+          </p:cNvPicPr>
+          <p:nvPr/>
+        </p:nvPicPr>
+        <p:blipFill>
+          <a:blip r:embed="rId5"/>
+          <a:stretch>
+            <a:fillRect/>
+          </a:stretch>
+        </p:blipFill>
+        <p:spPr>
+          <a:xfrm>
+            <a:off x="1491615" y="3997325"/>
+            <a:ext cx="8611235" cy="1452245"/>
+          </a:xfrm>
+          <a:prstGeom prst="rect">
+            <a:avLst/>
+          </a:prstGeom>
+        </p:spPr>
+      </p:pic>
     </p:spTree>
   </p:cSld>
   <p:clrMapOvr>
@@ -9097,327 +9211,6 @@
           </a:p>
         </p:txBody>
       </p:sp>
-      <p:sp>
-        <p:nvSpPr>
-          <p:cNvPr id="29" name="文本框 61"/>
-          <p:cNvSpPr txBox="1">
-            <a:spLocks noChangeArrowheads="1"/>
-          </p:cNvSpPr>
-          <p:nvPr>
-            <p:custDataLst>
-              <p:tags r:id="rId27"/>
-            </p:custDataLst>
-          </p:nvPr>
-        </p:nvSpPr>
-        <p:spPr bwMode="auto">
-          <a:xfrm>
-            <a:off x="4104305" y="5070863"/>
-            <a:ext cx="769937" cy="725487"/>
-          </a:xfrm>
-          <a:prstGeom prst="rect">
-            <a:avLst/>
-          </a:prstGeom>
-          <a:noFill/>
-          <a:ln>
-            <a:noFill/>
-          </a:ln>
-          <a:extLst>
-            <a:ext uri="{909E8E84-426E-40DD-AFC4-6F175D3DCCD1}">
-              <a14:hiddenFill xmlns:a14="http://schemas.microsoft.com/office/drawing/2010/main">
-                <a:solidFill>
-                  <a:srgbClr val="FFFFFF"/>
-                </a:solidFill>
-              </a14:hiddenFill>
-            </a:ext>
-            <a:ext uri="{91240B29-F687-4F45-9708-019B960494DF}">
-              <a14:hiddenLine xmlns:a14="http://schemas.microsoft.com/office/drawing/2010/main" w="9525">
-                <a:solidFill>
-                  <a:srgbClr val="000000"/>
-                </a:solidFill>
-                <a:miter lim="800000"/>
-                <a:headEnd/>
-                <a:tailEnd/>
-              </a14:hiddenLine>
-            </a:ext>
-          </a:extLst>
-        </p:spPr>
-        <p:txBody>
-          <a:bodyPr anchor="ctr"/>
-          <a:lstStyle>
-            <a:lvl1pPr>
-              <a:defRPr>
-                <a:solidFill>
-                  <a:schemeClr val="tx1"/>
-                </a:solidFill>
-                <a:latin typeface="Calibri" panose="020F0502020204030204" pitchFamily="34" charset="0"/>
-                <a:ea typeface="宋体" panose="02010600030101010101" pitchFamily="2" charset="-122"/>
-              </a:defRPr>
-            </a:lvl1pPr>
-            <a:lvl2pPr marL="742950" indent="-285750">
-              <a:defRPr>
-                <a:solidFill>
-                  <a:schemeClr val="tx1"/>
-                </a:solidFill>
-                <a:latin typeface="Calibri" panose="020F0502020204030204" pitchFamily="34" charset="0"/>
-                <a:ea typeface="宋体" panose="02010600030101010101" pitchFamily="2" charset="-122"/>
-              </a:defRPr>
-            </a:lvl2pPr>
-            <a:lvl3pPr marL="1143000" indent="-228600">
-              <a:defRPr>
-                <a:solidFill>
-                  <a:schemeClr val="tx1"/>
-                </a:solidFill>
-                <a:latin typeface="Calibri" panose="020F0502020204030204" pitchFamily="34" charset="0"/>
-                <a:ea typeface="宋体" panose="02010600030101010101" pitchFamily="2" charset="-122"/>
-              </a:defRPr>
-            </a:lvl3pPr>
-            <a:lvl4pPr marL="1600200" indent="-228600">
-              <a:defRPr>
-                <a:solidFill>
-                  <a:schemeClr val="tx1"/>
-                </a:solidFill>
-                <a:latin typeface="Calibri" panose="020F0502020204030204" pitchFamily="34" charset="0"/>
-                <a:ea typeface="宋体" panose="02010600030101010101" pitchFamily="2" charset="-122"/>
-              </a:defRPr>
-            </a:lvl4pPr>
-            <a:lvl5pPr marL="2057400" indent="-228600">
-              <a:defRPr>
-                <a:solidFill>
-                  <a:schemeClr val="tx1"/>
-                </a:solidFill>
-                <a:latin typeface="Calibri" panose="020F0502020204030204" pitchFamily="34" charset="0"/>
-                <a:ea typeface="宋体" panose="02010600030101010101" pitchFamily="2" charset="-122"/>
-              </a:defRPr>
-            </a:lvl5pPr>
-            <a:lvl6pPr marL="2514600" indent="-228600" eaLnBrk="0" fontAlgn="base" hangingPunct="0">
-              <a:spcBef>
-                <a:spcPct val="0"/>
-              </a:spcBef>
-              <a:spcAft>
-                <a:spcPct val="0"/>
-              </a:spcAft>
-              <a:defRPr>
-                <a:solidFill>
-                  <a:schemeClr val="tx1"/>
-                </a:solidFill>
-                <a:latin typeface="Calibri" panose="020F0502020204030204" pitchFamily="34" charset="0"/>
-                <a:ea typeface="宋体" panose="02010600030101010101" pitchFamily="2" charset="-122"/>
-              </a:defRPr>
-            </a:lvl6pPr>
-            <a:lvl7pPr marL="2971800" indent="-228600" eaLnBrk="0" fontAlgn="base" hangingPunct="0">
-              <a:spcBef>
-                <a:spcPct val="0"/>
-              </a:spcBef>
-              <a:spcAft>
-                <a:spcPct val="0"/>
-              </a:spcAft>
-              <a:defRPr>
-                <a:solidFill>
-                  <a:schemeClr val="tx1"/>
-                </a:solidFill>
-                <a:latin typeface="Calibri" panose="020F0502020204030204" pitchFamily="34" charset="0"/>
-                <a:ea typeface="宋体" panose="02010600030101010101" pitchFamily="2" charset="-122"/>
-              </a:defRPr>
-            </a:lvl7pPr>
-            <a:lvl8pPr marL="3429000" indent="-228600" eaLnBrk="0" fontAlgn="base" hangingPunct="0">
-              <a:spcBef>
-                <a:spcPct val="0"/>
-              </a:spcBef>
-              <a:spcAft>
-                <a:spcPct val="0"/>
-              </a:spcAft>
-              <a:defRPr>
-                <a:solidFill>
-                  <a:schemeClr val="tx1"/>
-                </a:solidFill>
-                <a:latin typeface="Calibri" panose="020F0502020204030204" pitchFamily="34" charset="0"/>
-                <a:ea typeface="宋体" panose="02010600030101010101" pitchFamily="2" charset="-122"/>
-              </a:defRPr>
-            </a:lvl8pPr>
-            <a:lvl9pPr marL="3886200" indent="-228600" eaLnBrk="0" fontAlgn="base" hangingPunct="0">
-              <a:spcBef>
-                <a:spcPct val="0"/>
-              </a:spcBef>
-              <a:spcAft>
-                <a:spcPct val="0"/>
-              </a:spcAft>
-              <a:defRPr>
-                <a:solidFill>
-                  <a:schemeClr val="tx1"/>
-                </a:solidFill>
-                <a:latin typeface="Calibri" panose="020F0502020204030204" pitchFamily="34" charset="0"/>
-                <a:ea typeface="宋体" panose="02010600030101010101" pitchFamily="2" charset="-122"/>
-              </a:defRPr>
-            </a:lvl9pPr>
-          </a:lstStyle>
-          <a:p>
-            <a:pPr algn="ctr"/>
-            <a:r>
-              <a:rPr lang="en-US" altLang="zh-CN" sz="2400" b="1" dirty="0" smtClean="0">
-                <a:solidFill>
-                  <a:srgbClr val="00A99F"/>
-                </a:solidFill>
-                <a:latin typeface="微软雅黑" panose="020B0503020204020204" pitchFamily="34" charset="-122"/>
-                <a:ea typeface="微软雅黑" panose="020B0503020204020204" pitchFamily="34" charset="-122"/>
-              </a:rPr>
-              <a:t>07</a:t>
-            </a:r>
-            <a:endParaRPr lang="zh-CN" altLang="en-US" sz="2400" b="1" dirty="0">
-              <a:solidFill>
-                <a:srgbClr val="00A99F"/>
-              </a:solidFill>
-              <a:latin typeface="微软雅黑" panose="020B0503020204020204" pitchFamily="34" charset="-122"/>
-              <a:ea typeface="微软雅黑" panose="020B0503020204020204" pitchFamily="34" charset="-122"/>
-            </a:endParaRPr>
-          </a:p>
-        </p:txBody>
-      </p:sp>
-      <p:cxnSp>
-        <p:nvCxnSpPr>
-          <p:cNvPr id="30" name="直接连接符 29"/>
-          <p:cNvCxnSpPr/>
-          <p:nvPr>
-            <p:custDataLst>
-              <p:tags r:id="rId28"/>
-            </p:custDataLst>
-          </p:nvPr>
-        </p:nvCxnSpPr>
-        <p:spPr bwMode="auto">
-          <a:xfrm>
-            <a:off x="4926629" y="5289937"/>
-            <a:ext cx="0" cy="285750"/>
-          </a:xfrm>
-          <a:prstGeom prst="line">
-            <a:avLst/>
-          </a:prstGeom>
-          <a:ln>
-            <a:solidFill>
-              <a:srgbClr val="C0C0C0"/>
-            </a:solidFill>
-          </a:ln>
-        </p:spPr>
-        <p:style>
-          <a:lnRef idx="1">
-            <a:schemeClr val="accent1"/>
-          </a:lnRef>
-          <a:fillRef idx="0">
-            <a:schemeClr val="accent1"/>
-          </a:fillRef>
-          <a:effectRef idx="0">
-            <a:schemeClr val="accent1"/>
-          </a:effectRef>
-          <a:fontRef idx="minor">
-            <a:schemeClr val="tx1"/>
-          </a:fontRef>
-        </p:style>
-      </p:cxnSp>
-      <p:sp>
-        <p:nvSpPr>
-          <p:cNvPr id="31" name="文本框 26"/>
-          <p:cNvSpPr txBox="1"/>
-          <p:nvPr>
-            <p:custDataLst>
-              <p:tags r:id="rId29"/>
-            </p:custDataLst>
-          </p:nvPr>
-        </p:nvSpPr>
-        <p:spPr bwMode="auto">
-          <a:xfrm>
-            <a:off x="5047085" y="5036573"/>
-            <a:ext cx="4008438" cy="725487"/>
-          </a:xfrm>
-          <a:prstGeom prst="rect">
-            <a:avLst/>
-          </a:prstGeom>
-          <a:noFill/>
-        </p:spPr>
-        <p:txBody>
-          <a:bodyPr anchor="ctr">
-            <a:normAutofit/>
-          </a:bodyPr>
-          <a:lstStyle>
-            <a:defPPr>
-              <a:defRPr lang="zh-CN"/>
-            </a:defPPr>
-            <a:lvl1pPr>
-              <a:defRPr sz="2400" b="1">
-                <a:solidFill>
-                  <a:schemeClr val="tx1">
-                    <a:lumMod val="75000"/>
-                    <a:lumOff val="25000"/>
-                  </a:schemeClr>
-                </a:solidFill>
-                <a:cs typeface="Arial" panose="020B0604020202020204" pitchFamily="34" charset="0"/>
-              </a:defRPr>
-            </a:lvl1pPr>
-          </a:lstStyle>
-          <a:p>
-            <a:r>
-              <a:rPr lang="en-US" altLang="zh-CN" dirty="0"/>
-              <a:t>docker </a:t>
-            </a:r>
-            <a:endParaRPr lang="zh-CN" altLang="en-US" dirty="0"/>
-          </a:p>
-        </p:txBody>
-      </p:sp>
-      <p:sp>
-        <p:nvSpPr>
-          <p:cNvPr id="32" name="燕尾形 31"/>
-          <p:cNvSpPr/>
-          <p:nvPr>
-            <p:custDataLst>
-              <p:tags r:id="rId30"/>
-            </p:custDataLst>
-          </p:nvPr>
-        </p:nvSpPr>
-        <p:spPr>
-          <a:xfrm>
-            <a:off x="3736004" y="5248662"/>
-            <a:ext cx="368300" cy="368300"/>
-          </a:xfrm>
-          <a:prstGeom prst="chevron">
-            <a:avLst/>
-          </a:prstGeom>
-          <a:solidFill>
-            <a:srgbClr val="00A99F"/>
-          </a:solidFill>
-          <a:ln>
-            <a:noFill/>
-          </a:ln>
-        </p:spPr>
-        <p:style>
-          <a:lnRef idx="2">
-            <a:schemeClr val="accent1">
-              <a:shade val="50000"/>
-            </a:schemeClr>
-          </a:lnRef>
-          <a:fillRef idx="1">
-            <a:schemeClr val="accent1"/>
-          </a:fillRef>
-          <a:effectRef idx="0">
-            <a:schemeClr val="accent1"/>
-          </a:effectRef>
-          <a:fontRef idx="minor">
-            <a:schemeClr val="lt1"/>
-          </a:fontRef>
-        </p:style>
-        <p:txBody>
-          <a:bodyPr anchor="ctr">
-            <a:normAutofit fontScale="90000"/>
-          </a:bodyPr>
-          <a:lstStyle/>
-          <a:p>
-            <a:pPr algn="ctr"/>
-            <a:endParaRPr lang="zh-CN" altLang="en-US">
-              <a:solidFill>
-                <a:schemeClr val="tx1"/>
-              </a:solidFill>
-              <a:latin typeface="微软雅黑" panose="020B0503020204020204" pitchFamily="34" charset="-122"/>
-              <a:ea typeface="微软雅黑" panose="020B0503020204020204" pitchFamily="34" charset="-122"/>
-            </a:endParaRPr>
-          </a:p>
-        </p:txBody>
-      </p:sp>
     </p:spTree>
   </p:cSld>
   <p:clrMapOvr>
@@ -9534,19 +9327,6 @@
               </a:rPr>
               <a:t>file</a:t>
             </a:r>
-            <a:r>
-              <a:rPr lang="zh-CN" altLang="en-US" sz="4000" b="1" dirty="0">
-                <a:solidFill>
-                  <a:schemeClr val="tx1">
-                    <a:lumMod val="75000"/>
-                    <a:lumOff val="25000"/>
-                  </a:schemeClr>
-                </a:solidFill>
-                <a:cs typeface="Arial" panose="020B0604020202020204" pitchFamily="34" charset="0"/>
-                <a:sym typeface="+mn-ea"/>
-              </a:rPr>
-              <a:t>指令</a:t>
-            </a:r>
             <a:endParaRPr lang="zh-CN" altLang="en-US" sz="4000" b="1" dirty="0">
               <a:solidFill>
                 <a:schemeClr val="tx1">
@@ -9562,73 +9342,6 @@
       </p:sp>
       <p:sp>
         <p:nvSpPr>
-          <p:cNvPr id="4" name="文本框 3"/>
-          <p:cNvSpPr txBox="1"/>
-          <p:nvPr>
-            <p:custDataLst>
-              <p:tags r:id="rId2"/>
-            </p:custDataLst>
-          </p:nvPr>
-        </p:nvSpPr>
-        <p:spPr bwMode="auto">
-          <a:xfrm>
-            <a:off x="981075" y="1420495"/>
-            <a:ext cx="10475595" cy="718820"/>
-          </a:xfrm>
-          <a:prstGeom prst="rect">
-            <a:avLst/>
-          </a:prstGeom>
-          <a:noFill/>
-        </p:spPr>
-        <p:txBody>
-          <a:bodyPr anchor="ctr">
-            <a:noAutofit/>
-          </a:bodyPr>
-          <a:p>
-            <a:pPr>
-              <a:buBlip>
-                <a:blip r:embed="rId3"/>
-              </a:buBlip>
-              <a:defRPr/>
-            </a:pPr>
-            <a:r>
-              <a:rPr lang="en-US" altLang="zh-CN" sz="2800" b="1" dirty="0">
-                <a:solidFill>
-                  <a:srgbClr val="C00000"/>
-                </a:solidFill>
-                <a:cs typeface="Arial" panose="020B0604020202020204" pitchFamily="34" charset="0"/>
-              </a:rPr>
-              <a:t> </a:t>
-            </a:r>
-            <a:r>
-              <a:rPr lang="en-US" sz="2800" b="1" dirty="0">
-                <a:solidFill>
-                  <a:srgbClr val="C00000"/>
-                </a:solidFill>
-                <a:cs typeface="Arial" panose="020B0604020202020204" pitchFamily="34" charset="0"/>
-              </a:rPr>
-              <a:t>dockers file</a:t>
-            </a:r>
-            <a:r>
-              <a:rPr lang="zh-CN" altLang="en-US" sz="2800" b="1" dirty="0">
-                <a:solidFill>
-                  <a:srgbClr val="C00000"/>
-                </a:solidFill>
-                <a:cs typeface="Arial" panose="020B0604020202020204" pitchFamily="34" charset="0"/>
-              </a:rPr>
-              <a:t>的书写规范</a:t>
-            </a:r>
-            <a:endParaRPr lang="zh-CN" altLang="en-US" sz="2800" b="1" dirty="0">
-              <a:solidFill>
-                <a:srgbClr val="C00000"/>
-              </a:solidFill>
-              <a:cs typeface="Arial" panose="020B0604020202020204" pitchFamily="34" charset="0"/>
-            </a:endParaRPr>
-          </a:p>
-        </p:txBody>
-      </p:sp>
-      <p:sp>
-        <p:nvSpPr>
           <p:cNvPr id="76803" name="内容占位符 76802"/>
           <p:cNvSpPr>
             <a:spLocks noGrp="1"/>
@@ -9637,7 +9350,7 @@
         </p:nvSpPr>
         <p:spPr>
           <a:xfrm>
-            <a:off x="1089660" y="2139315"/>
+            <a:off x="1089025" y="1682115"/>
             <a:ext cx="10013315" cy="3816350"/>
           </a:xfrm>
           <a:prstGeom prst="rect">
@@ -9847,24 +9560,12 @@
               <a:buChar char="•"/>
             </a:pPr>
             <a:r>
-              <a:rPr lang="en-US" altLang="zh-CN" sz="2200" b="0">
+              <a:rPr sz="2200" b="0">
                 <a:latin typeface="Times New Roman" panose="02020603050405020304" pitchFamily="18" charset="0"/>
               </a:rPr>
-              <a:t>docker file</a:t>
-            </a:r>
-            <a:r>
-              <a:rPr lang="zh-CN" altLang="en-US" sz="2200" b="0">
-                <a:latin typeface="Times New Roman" panose="02020603050405020304" pitchFamily="18" charset="0"/>
-              </a:rPr>
-              <a:t>是忽略大小写的，一般</a:t>
-            </a:r>
-            <a:r>
-              <a:rPr lang="zh-CN" altLang="en-US" sz="2200">
-                <a:latin typeface="Times New Roman" panose="02020603050405020304" pitchFamily="18" charset="0"/>
-              </a:rPr>
-              <a:t>建议用大写</a:t>
-            </a:r>
-            <a:endParaRPr lang="zh-CN" altLang="en-US" sz="2200" b="0">
+              <a:t>Dockerfile是由一系列命令和参数构成的脚本，这些命令应用于基础镜像并最终创建一个新的镜像。</a:t>
+            </a:r>
+            <a:endParaRPr sz="2200" b="0">
               <a:latin typeface="Times New Roman" panose="02020603050405020304" pitchFamily="18" charset="0"/>
             </a:endParaRPr>
           </a:p>
@@ -9883,24 +9584,12 @@
               <a:buChar char="•"/>
             </a:pPr>
             <a:r>
-              <a:rPr lang="zh-CN" altLang="en-US" sz="2200" b="0">
+              <a:rPr sz="2200" b="0">
                 <a:latin typeface="Times New Roman" panose="02020603050405020304" pitchFamily="18" charset="0"/>
               </a:rPr>
-              <a:t>使用 </a:t>
-            </a:r>
-            <a:r>
-              <a:rPr lang="en-US" altLang="zh-CN" sz="2200" b="0">
-                <a:latin typeface="Times New Roman" panose="02020603050405020304" pitchFamily="18" charset="0"/>
-              </a:rPr>
-              <a:t># </a:t>
-            </a:r>
-            <a:r>
-              <a:rPr lang="zh-CN" altLang="en-US" sz="2200" b="0">
-                <a:latin typeface="Times New Roman" panose="02020603050405020304" pitchFamily="18" charset="0"/>
-              </a:rPr>
-              <a:t>作为注释，每行只支持一条指令，每条指令可携带多个参数</a:t>
-            </a:r>
-            <a:endParaRPr lang="zh-CN" altLang="en-US" sz="2200" b="0">
+              <a:t>简化了从头到尾的流程并极大的简化了部署工作。</a:t>
+            </a:r>
+            <a:endParaRPr sz="2200" b="0">
               <a:latin typeface="Times New Roman" panose="02020603050405020304" pitchFamily="18" charset="0"/>
             </a:endParaRPr>
           </a:p>
@@ -9919,139 +9608,12 @@
               <a:buChar char="•"/>
             </a:pPr>
             <a:r>
-              <a:rPr lang="zh-CN" altLang="en-US" sz="2200" b="0">
+              <a:rPr sz="2200" b="0">
                 <a:latin typeface="Times New Roman" panose="02020603050405020304" pitchFamily="18" charset="0"/>
               </a:rPr>
-              <a:t>根据指令的作用分为</a:t>
-            </a:r>
-            <a:r>
-              <a:rPr lang="zh-CN" altLang="en-US" sz="2200">
-                <a:latin typeface="Times New Roman" panose="02020603050405020304" pitchFamily="18" charset="0"/>
-              </a:rPr>
-              <a:t>构建指令</a:t>
-            </a:r>
-            <a:r>
-              <a:rPr lang="zh-CN" altLang="en-US" sz="2200" b="0">
-                <a:latin typeface="Times New Roman" panose="02020603050405020304" pitchFamily="18" charset="0"/>
-              </a:rPr>
-              <a:t>和</a:t>
-            </a:r>
-            <a:r>
-              <a:rPr lang="zh-CN" altLang="en-US" sz="2200">
-                <a:latin typeface="Times New Roman" panose="02020603050405020304" pitchFamily="18" charset="0"/>
-              </a:rPr>
-              <a:t>设置指令</a:t>
-            </a:r>
-            <a:endParaRPr lang="zh-CN" altLang="en-US" sz="2200" b="0">
-              <a:latin typeface="Times New Roman" panose="02020603050405020304" pitchFamily="18" charset="0"/>
-            </a:endParaRPr>
-          </a:p>
-          <a:p>
-            <a:pPr marL="800100" lvl="1" indent="-342900" algn="just">
-              <a:lnSpc>
-                <a:spcPct val="150000"/>
-              </a:lnSpc>
-              <a:spcBef>
-                <a:spcPts val="0"/>
-              </a:spcBef>
-              <a:buClr>
-                <a:schemeClr val="tx1"/>
-              </a:buClr>
-              <a:buFont typeface="Arial" panose="020B0604020202020204" pitchFamily="34" charset="0"/>
-              <a:buChar char="•"/>
-            </a:pPr>
-            <a:r>
-              <a:rPr lang="zh-CN" altLang="en-US" sz="2200" b="0">
-                <a:latin typeface="Times New Roman" panose="02020603050405020304" pitchFamily="18" charset="0"/>
-              </a:rPr>
-              <a:t>构建指令：构建</a:t>
-            </a:r>
-            <a:r>
-              <a:rPr lang="en-US" altLang="zh-CN" sz="2200" b="0">
-                <a:latin typeface="Times New Roman" panose="02020603050405020304" pitchFamily="18" charset="0"/>
-              </a:rPr>
-              <a:t>image</a:t>
-            </a:r>
-            <a:r>
-              <a:rPr lang="zh-CN" altLang="en-US" sz="2200" b="0">
-                <a:latin typeface="Times New Roman" panose="02020603050405020304" pitchFamily="18" charset="0"/>
-              </a:rPr>
-              <a:t>，其指定的</a:t>
-            </a:r>
-            <a:r>
-              <a:rPr lang="zh-CN" altLang="en-US" sz="2200" b="0">
-                <a:latin typeface="Times New Roman" panose="02020603050405020304" pitchFamily="18" charset="0"/>
-              </a:rPr>
-              <a:t>操作不会在</a:t>
-            </a:r>
-            <a:r>
-              <a:rPr lang="zh-CN" altLang="en-US" sz="2200">
-                <a:latin typeface="Times New Roman" panose="02020603050405020304" pitchFamily="18" charset="0"/>
-                <a:sym typeface="+mn-ea"/>
-              </a:rPr>
-              <a:t>运行</a:t>
-            </a:r>
-            <a:r>
-              <a:rPr lang="en-US" altLang="zh-CN" sz="2200" b="0">
-                <a:latin typeface="Times New Roman" panose="02020603050405020304" pitchFamily="18" charset="0"/>
-              </a:rPr>
-              <a:t>image</a:t>
-            </a:r>
-            <a:r>
-              <a:rPr lang="zh-CN" altLang="en-US" sz="2200" b="0">
-                <a:latin typeface="Times New Roman" panose="02020603050405020304" pitchFamily="18" charset="0"/>
-              </a:rPr>
-              <a:t>的容器上执行</a:t>
-            </a:r>
-            <a:endParaRPr lang="zh-CN" altLang="en-US" sz="2200" b="0">
-              <a:latin typeface="Times New Roman" panose="02020603050405020304" pitchFamily="18" charset="0"/>
-            </a:endParaRPr>
-          </a:p>
-          <a:p>
-            <a:pPr marL="800100" lvl="1" indent="-342900" algn="just">
-              <a:lnSpc>
-                <a:spcPct val="150000"/>
-              </a:lnSpc>
-              <a:spcBef>
-                <a:spcPts val="0"/>
-              </a:spcBef>
-              <a:buClr>
-                <a:schemeClr val="tx1"/>
-              </a:buClr>
-              <a:buFont typeface="Arial" panose="020B0604020202020204" pitchFamily="34" charset="0"/>
-              <a:buChar char="•"/>
-            </a:pPr>
-            <a:r>
-              <a:rPr lang="zh-CN" altLang="en-US" sz="2200" b="0">
-                <a:latin typeface="Times New Roman" panose="02020603050405020304" pitchFamily="18" charset="0"/>
-              </a:rPr>
-              <a:t>设置指令：设置</a:t>
-            </a:r>
-            <a:r>
-              <a:rPr lang="en-US" altLang="zh-CN" sz="2200" b="0">
-                <a:latin typeface="Times New Roman" panose="02020603050405020304" pitchFamily="18" charset="0"/>
-              </a:rPr>
-              <a:t>image</a:t>
-            </a:r>
-            <a:r>
-              <a:rPr lang="zh-CN" altLang="en-US" sz="2200" b="0">
-                <a:latin typeface="Times New Roman" panose="02020603050405020304" pitchFamily="18" charset="0"/>
-              </a:rPr>
-              <a:t>属性，其指定的操作将在运行</a:t>
-            </a:r>
-            <a:r>
-              <a:rPr lang="en-US" altLang="zh-CN" sz="2200" b="0">
-                <a:latin typeface="Times New Roman" panose="02020603050405020304" pitchFamily="18" charset="0"/>
-              </a:rPr>
-              <a:t>image</a:t>
-            </a:r>
-            <a:r>
-              <a:rPr lang="zh-CN" altLang="en-US" sz="2200" b="0">
-                <a:latin typeface="Times New Roman" panose="02020603050405020304" pitchFamily="18" charset="0"/>
-              </a:rPr>
-              <a:t>的容器上执行</a:t>
-            </a:r>
-            <a:endParaRPr lang="zh-CN" altLang="en-US" sz="2200" b="0">
+              <a:t>Dockerfile从FROM命令开始，紧接着跟随者各种方法，命令和参数。其产出为一个新的可以用于创建容器的镜像。</a:t>
+            </a:r>
+            <a:endParaRPr sz="2200" b="0">
               <a:latin typeface="Times New Roman" panose="02020603050405020304" pitchFamily="18" charset="0"/>
             </a:endParaRPr>
           </a:p>
@@ -10199,30 +9761,503 @@
           </a:p>
         </p:txBody>
       </p:sp>
-      <p:pic>
-        <p:nvPicPr>
-          <p:cNvPr id="2" name="图片 1"/>
-          <p:cNvPicPr>
-            <a:picLocks noChangeAspect="1"/>
-          </p:cNvPicPr>
-          <p:nvPr/>
-        </p:nvPicPr>
-        <p:blipFill>
-          <a:blip r:embed="rId2"/>
-          <a:stretch>
-            <a:fillRect/>
-          </a:stretch>
-        </p:blipFill>
-        <p:spPr>
+      <p:sp>
+        <p:nvSpPr>
+          <p:cNvPr id="4" name="文本框 3"/>
+          <p:cNvSpPr txBox="1"/>
+          <p:nvPr>
+            <p:custDataLst>
+              <p:tags r:id="rId2"/>
+            </p:custDataLst>
+          </p:nvPr>
+        </p:nvSpPr>
+        <p:spPr bwMode="auto">
           <a:xfrm>
-            <a:off x="1095375" y="1490345"/>
-            <a:ext cx="7938135" cy="4183380"/>
+            <a:off x="981075" y="1420495"/>
+            <a:ext cx="10475595" cy="718820"/>
           </a:xfrm>
           <a:prstGeom prst="rect">
             <a:avLst/>
           </a:prstGeom>
+          <a:noFill/>
         </p:spPr>
-      </p:pic>
+        <p:txBody>
+          <a:bodyPr anchor="ctr">
+            <a:noAutofit/>
+          </a:bodyPr>
+          <a:p>
+            <a:pPr>
+              <a:buBlip>
+                <a:blip r:embed="rId3"/>
+              </a:buBlip>
+              <a:defRPr/>
+            </a:pPr>
+            <a:r>
+              <a:rPr lang="en-US" altLang="zh-CN" sz="2800" b="1" dirty="0">
+                <a:solidFill>
+                  <a:srgbClr val="C00000"/>
+                </a:solidFill>
+                <a:cs typeface="Arial" panose="020B0604020202020204" pitchFamily="34" charset="0"/>
+              </a:rPr>
+              <a:t> </a:t>
+            </a:r>
+            <a:r>
+              <a:rPr lang="en-US" sz="2800" b="1" dirty="0">
+                <a:solidFill>
+                  <a:srgbClr val="C00000"/>
+                </a:solidFill>
+                <a:cs typeface="Arial" panose="020B0604020202020204" pitchFamily="34" charset="0"/>
+              </a:rPr>
+              <a:t>dockers file</a:t>
+            </a:r>
+            <a:r>
+              <a:rPr lang="zh-CN" altLang="en-US" sz="2800" b="1" dirty="0">
+                <a:solidFill>
+                  <a:srgbClr val="C00000"/>
+                </a:solidFill>
+                <a:cs typeface="Arial" panose="020B0604020202020204" pitchFamily="34" charset="0"/>
+              </a:rPr>
+              <a:t>的书写规范</a:t>
+            </a:r>
+            <a:endParaRPr lang="zh-CN" altLang="en-US" sz="2800" b="1" dirty="0">
+              <a:solidFill>
+                <a:srgbClr val="C00000"/>
+              </a:solidFill>
+              <a:cs typeface="Arial" panose="020B0604020202020204" pitchFamily="34" charset="0"/>
+            </a:endParaRPr>
+          </a:p>
+        </p:txBody>
+      </p:sp>
+      <p:sp>
+        <p:nvSpPr>
+          <p:cNvPr id="76803" name="内容占位符 76802"/>
+          <p:cNvSpPr>
+            <a:spLocks noGrp="1"/>
+          </p:cNvSpPr>
+          <p:nvPr/>
+        </p:nvSpPr>
+        <p:spPr>
+          <a:xfrm>
+            <a:off x="1089660" y="2139315"/>
+            <a:ext cx="10013315" cy="3816350"/>
+          </a:xfrm>
+          <a:prstGeom prst="rect">
+            <a:avLst/>
+          </a:prstGeom>
+          <a:noFill/>
+          <a:ln w="9525">
+            <a:noFill/>
+          </a:ln>
+        </p:spPr>
+        <p:txBody>
+          <a:bodyPr anchor="t"/>
+          <a:lstStyle>
+            <a:lvl1pPr marL="0" lvl="0" indent="0" algn="l" defTabSz="914400" rtl="0" eaLnBrk="1" fontAlgn="base" latinLnBrk="0" hangingPunct="1">
+              <a:lnSpc>
+                <a:spcPct val="120000"/>
+              </a:lnSpc>
+              <a:spcBef>
+                <a:spcPct val="20000"/>
+              </a:spcBef>
+              <a:spcAft>
+                <a:spcPct val="0"/>
+              </a:spcAft>
+              <a:buNone/>
+              <a:defRPr sz="2800" b="1" i="0" u="none" kern="1200" baseline="0">
+                <a:solidFill>
+                  <a:schemeClr val="tx1"/>
+                </a:solidFill>
+                <a:latin typeface="+mn-lt"/>
+                <a:ea typeface="+mn-ea"/>
+                <a:cs typeface="+mn-cs"/>
+              </a:defRPr>
+            </a:lvl1pPr>
+            <a:lvl2pPr marL="758825" lvl="1" indent="-285750" algn="l" defTabSz="914400" rtl="0" eaLnBrk="1" fontAlgn="base" latinLnBrk="0" hangingPunct="1">
+              <a:lnSpc>
+                <a:spcPct val="100000"/>
+              </a:lnSpc>
+              <a:spcBef>
+                <a:spcPct val="20000"/>
+              </a:spcBef>
+              <a:spcAft>
+                <a:spcPct val="0"/>
+              </a:spcAft>
+              <a:buChar char="–"/>
+              <a:defRPr sz="2800" b="0" i="0" u="none" kern="1200" baseline="0">
+                <a:solidFill>
+                  <a:schemeClr val="tx1"/>
+                </a:solidFill>
+                <a:latin typeface="+mn-lt"/>
+                <a:ea typeface="+mn-ea"/>
+                <a:cs typeface="+mn-cs"/>
+              </a:defRPr>
+            </a:lvl2pPr>
+            <a:lvl3pPr marL="1177925" lvl="2" indent="-228600" algn="l" defTabSz="914400" rtl="0" eaLnBrk="1" fontAlgn="base" latinLnBrk="0" hangingPunct="1">
+              <a:lnSpc>
+                <a:spcPct val="100000"/>
+              </a:lnSpc>
+              <a:spcBef>
+                <a:spcPct val="20000"/>
+              </a:spcBef>
+              <a:spcAft>
+                <a:spcPct val="0"/>
+              </a:spcAft>
+              <a:buChar char="•"/>
+              <a:defRPr sz="2400" b="0" i="0" u="none" kern="1200" baseline="0">
+                <a:solidFill>
+                  <a:schemeClr val="tx1"/>
+                </a:solidFill>
+                <a:latin typeface="+mn-lt"/>
+                <a:ea typeface="+mn-ea"/>
+                <a:cs typeface="+mn-cs"/>
+              </a:defRPr>
+            </a:lvl3pPr>
+            <a:lvl4pPr marL="1600200" lvl="3" indent="-228600" algn="l" defTabSz="914400" rtl="0" eaLnBrk="1" fontAlgn="base" latinLnBrk="0" hangingPunct="1">
+              <a:lnSpc>
+                <a:spcPct val="100000"/>
+              </a:lnSpc>
+              <a:spcBef>
+                <a:spcPct val="20000"/>
+              </a:spcBef>
+              <a:spcAft>
+                <a:spcPct val="0"/>
+              </a:spcAft>
+              <a:buChar char="–"/>
+              <a:defRPr sz="2000" b="0" i="0" u="none" kern="1200" baseline="0">
+                <a:solidFill>
+                  <a:schemeClr val="tx1"/>
+                </a:solidFill>
+                <a:latin typeface="+mn-lt"/>
+                <a:ea typeface="+mn-ea"/>
+                <a:cs typeface="+mn-cs"/>
+              </a:defRPr>
+            </a:lvl4pPr>
+            <a:lvl5pPr marL="2057400" lvl="4" indent="-228600" algn="l" defTabSz="914400" rtl="0" eaLnBrk="1" fontAlgn="base" latinLnBrk="0" hangingPunct="1">
+              <a:lnSpc>
+                <a:spcPct val="100000"/>
+              </a:lnSpc>
+              <a:spcBef>
+                <a:spcPct val="20000"/>
+              </a:spcBef>
+              <a:spcAft>
+                <a:spcPct val="0"/>
+              </a:spcAft>
+              <a:buChar char="»"/>
+              <a:defRPr sz="2000" b="0" i="0" u="none" kern="1200" baseline="0">
+                <a:solidFill>
+                  <a:schemeClr val="tx1"/>
+                </a:solidFill>
+                <a:latin typeface="+mn-lt"/>
+                <a:ea typeface="+mn-ea"/>
+                <a:cs typeface="+mn-cs"/>
+              </a:defRPr>
+            </a:lvl5pPr>
+            <a:lvl6pPr marL="2514600" lvl="5" indent="-228600" algn="l" defTabSz="914400" rtl="0" eaLnBrk="1" fontAlgn="base" latinLnBrk="0" hangingPunct="1">
+              <a:lnSpc>
+                <a:spcPct val="100000"/>
+              </a:lnSpc>
+              <a:spcBef>
+                <a:spcPct val="20000"/>
+              </a:spcBef>
+              <a:spcAft>
+                <a:spcPct val="0"/>
+              </a:spcAft>
+              <a:buChar char="»"/>
+              <a:defRPr sz="2000" b="0" i="0" u="none" kern="1200" baseline="0">
+                <a:solidFill>
+                  <a:schemeClr val="tx1"/>
+                </a:solidFill>
+                <a:latin typeface="+mn-lt"/>
+                <a:ea typeface="+mn-ea"/>
+                <a:cs typeface="+mn-cs"/>
+              </a:defRPr>
+            </a:lvl6pPr>
+            <a:lvl7pPr marL="2971800" lvl="6" indent="-228600" algn="l" defTabSz="914400" rtl="0" eaLnBrk="1" fontAlgn="base" latinLnBrk="0" hangingPunct="1">
+              <a:lnSpc>
+                <a:spcPct val="100000"/>
+              </a:lnSpc>
+              <a:spcBef>
+                <a:spcPct val="20000"/>
+              </a:spcBef>
+              <a:spcAft>
+                <a:spcPct val="0"/>
+              </a:spcAft>
+              <a:buChar char="»"/>
+              <a:defRPr sz="2000" b="0" i="0" u="none" kern="1200" baseline="0">
+                <a:solidFill>
+                  <a:schemeClr val="tx1"/>
+                </a:solidFill>
+                <a:latin typeface="+mn-lt"/>
+                <a:ea typeface="+mn-ea"/>
+                <a:cs typeface="+mn-cs"/>
+              </a:defRPr>
+            </a:lvl7pPr>
+            <a:lvl8pPr marL="3429000" lvl="7" indent="-228600" algn="l" defTabSz="914400" rtl="0" eaLnBrk="1" fontAlgn="base" latinLnBrk="0" hangingPunct="1">
+              <a:lnSpc>
+                <a:spcPct val="100000"/>
+              </a:lnSpc>
+              <a:spcBef>
+                <a:spcPct val="20000"/>
+              </a:spcBef>
+              <a:spcAft>
+                <a:spcPct val="0"/>
+              </a:spcAft>
+              <a:buChar char="»"/>
+              <a:defRPr sz="2000" b="0" i="0" u="none" kern="1200" baseline="0">
+                <a:solidFill>
+                  <a:schemeClr val="tx1"/>
+                </a:solidFill>
+                <a:latin typeface="+mn-lt"/>
+                <a:ea typeface="+mn-ea"/>
+                <a:cs typeface="+mn-cs"/>
+              </a:defRPr>
+            </a:lvl8pPr>
+            <a:lvl9pPr marL="3886200" lvl="8" indent="-228600" algn="l" defTabSz="914400" rtl="0" eaLnBrk="1" fontAlgn="base" latinLnBrk="0" hangingPunct="1">
+              <a:lnSpc>
+                <a:spcPct val="100000"/>
+              </a:lnSpc>
+              <a:spcBef>
+                <a:spcPct val="20000"/>
+              </a:spcBef>
+              <a:spcAft>
+                <a:spcPct val="0"/>
+              </a:spcAft>
+              <a:buChar char="»"/>
+              <a:defRPr sz="2000" b="0" i="0" u="none" kern="1200" baseline="0">
+                <a:solidFill>
+                  <a:schemeClr val="tx1"/>
+                </a:solidFill>
+                <a:latin typeface="+mn-lt"/>
+                <a:ea typeface="+mn-ea"/>
+                <a:cs typeface="+mn-cs"/>
+              </a:defRPr>
+            </a:lvl9pPr>
+          </a:lstStyle>
+          <a:p>
+            <a:pPr marL="342900" indent="-342900" algn="just">
+              <a:lnSpc>
+                <a:spcPct val="150000"/>
+              </a:lnSpc>
+              <a:spcBef>
+                <a:spcPts val="0"/>
+              </a:spcBef>
+              <a:buClr>
+                <a:schemeClr val="tx1"/>
+              </a:buClr>
+              <a:buFont typeface="Arial" panose="020B0604020202020204" pitchFamily="34" charset="0"/>
+              <a:buChar char="•"/>
+            </a:pPr>
+            <a:r>
+              <a:rPr lang="en-US" altLang="zh-CN" sz="2200" b="0">
+                <a:latin typeface="Times New Roman" panose="02020603050405020304" pitchFamily="18" charset="0"/>
+              </a:rPr>
+              <a:t>docker file</a:t>
+            </a:r>
+            <a:r>
+              <a:rPr lang="zh-CN" altLang="en-US" sz="2200" b="0">
+                <a:latin typeface="Times New Roman" panose="02020603050405020304" pitchFamily="18" charset="0"/>
+              </a:rPr>
+              <a:t>是忽略大小写的，一般</a:t>
+            </a:r>
+            <a:r>
+              <a:rPr lang="zh-CN" altLang="en-US" sz="2200">
+                <a:latin typeface="Times New Roman" panose="02020603050405020304" pitchFamily="18" charset="0"/>
+              </a:rPr>
+              <a:t>建议用大写</a:t>
+            </a:r>
+            <a:endParaRPr lang="zh-CN" altLang="en-US" sz="2200" b="0">
+              <a:latin typeface="Times New Roman" panose="02020603050405020304" pitchFamily="18" charset="0"/>
+            </a:endParaRPr>
+          </a:p>
+          <a:p>
+            <a:pPr marL="342900" indent="-342900" algn="just">
+              <a:lnSpc>
+                <a:spcPct val="150000"/>
+              </a:lnSpc>
+              <a:spcBef>
+                <a:spcPts val="0"/>
+              </a:spcBef>
+              <a:buClr>
+                <a:schemeClr val="tx1"/>
+              </a:buClr>
+              <a:buFont typeface="Arial" panose="020B0604020202020204" pitchFamily="34" charset="0"/>
+              <a:buChar char="•"/>
+            </a:pPr>
+            <a:r>
+              <a:rPr lang="zh-CN" altLang="en-US" sz="2200" b="0">
+                <a:latin typeface="Times New Roman" panose="02020603050405020304" pitchFamily="18" charset="0"/>
+              </a:rPr>
+              <a:t>使用 </a:t>
+            </a:r>
+            <a:r>
+              <a:rPr lang="en-US" altLang="zh-CN" sz="2200" b="0">
+                <a:latin typeface="Times New Roman" panose="02020603050405020304" pitchFamily="18" charset="0"/>
+              </a:rPr>
+              <a:t># </a:t>
+            </a:r>
+            <a:r>
+              <a:rPr lang="zh-CN" altLang="en-US" sz="2200" b="0">
+                <a:latin typeface="Times New Roman" panose="02020603050405020304" pitchFamily="18" charset="0"/>
+              </a:rPr>
+              <a:t>作为注释，每行只支持一条指令，每条指令可携带多个参数</a:t>
+            </a:r>
+            <a:endParaRPr lang="zh-CN" altLang="en-US" sz="2200" b="0">
+              <a:latin typeface="Times New Roman" panose="02020603050405020304" pitchFamily="18" charset="0"/>
+            </a:endParaRPr>
+          </a:p>
+          <a:p>
+            <a:pPr marL="342900" indent="-342900" algn="just">
+              <a:lnSpc>
+                <a:spcPct val="150000"/>
+              </a:lnSpc>
+              <a:spcBef>
+                <a:spcPts val="0"/>
+              </a:spcBef>
+              <a:buClr>
+                <a:schemeClr val="tx1"/>
+              </a:buClr>
+              <a:buFont typeface="Arial" panose="020B0604020202020204" pitchFamily="34" charset="0"/>
+              <a:buChar char="•"/>
+            </a:pPr>
+            <a:r>
+              <a:rPr lang="zh-CN" altLang="en-US" sz="2200" b="0">
+                <a:latin typeface="Times New Roman" panose="02020603050405020304" pitchFamily="18" charset="0"/>
+              </a:rPr>
+              <a:t>根据指令的作用分为</a:t>
+            </a:r>
+            <a:r>
+              <a:rPr lang="zh-CN" altLang="en-US" sz="2200">
+                <a:latin typeface="Times New Roman" panose="02020603050405020304" pitchFamily="18" charset="0"/>
+              </a:rPr>
+              <a:t>构建指令</a:t>
+            </a:r>
+            <a:r>
+              <a:rPr lang="zh-CN" altLang="en-US" sz="2200" b="0">
+                <a:latin typeface="Times New Roman" panose="02020603050405020304" pitchFamily="18" charset="0"/>
+              </a:rPr>
+              <a:t>和</a:t>
+            </a:r>
+            <a:r>
+              <a:rPr lang="zh-CN" altLang="en-US" sz="2200">
+                <a:latin typeface="Times New Roman" panose="02020603050405020304" pitchFamily="18" charset="0"/>
+              </a:rPr>
+              <a:t>设置指令</a:t>
+            </a:r>
+            <a:endParaRPr lang="zh-CN" altLang="en-US" sz="2200" b="0">
+              <a:latin typeface="Times New Roman" panose="02020603050405020304" pitchFamily="18" charset="0"/>
+            </a:endParaRPr>
+          </a:p>
+          <a:p>
+            <a:pPr marL="800100" lvl="1" indent="-342900" algn="just">
+              <a:lnSpc>
+                <a:spcPct val="150000"/>
+              </a:lnSpc>
+              <a:spcBef>
+                <a:spcPts val="0"/>
+              </a:spcBef>
+              <a:buClr>
+                <a:schemeClr val="tx1"/>
+              </a:buClr>
+              <a:buFont typeface="Arial" panose="020B0604020202020204" pitchFamily="34" charset="0"/>
+              <a:buChar char="•"/>
+            </a:pPr>
+            <a:r>
+              <a:rPr lang="zh-CN" altLang="en-US" sz="2200" b="0">
+                <a:latin typeface="Times New Roman" panose="02020603050405020304" pitchFamily="18" charset="0"/>
+              </a:rPr>
+              <a:t>构建指令：构建</a:t>
+            </a:r>
+            <a:r>
+              <a:rPr lang="en-US" altLang="zh-CN" sz="2200" b="0">
+                <a:latin typeface="Times New Roman" panose="02020603050405020304" pitchFamily="18" charset="0"/>
+              </a:rPr>
+              <a:t>image</a:t>
+            </a:r>
+            <a:r>
+              <a:rPr lang="zh-CN" altLang="en-US" sz="2200" b="0">
+                <a:latin typeface="Times New Roman" panose="02020603050405020304" pitchFamily="18" charset="0"/>
+              </a:rPr>
+              <a:t>，其指定的</a:t>
+            </a:r>
+            <a:r>
+              <a:rPr lang="zh-CN" altLang="en-US" sz="2200" b="0">
+                <a:latin typeface="Times New Roman" panose="02020603050405020304" pitchFamily="18" charset="0"/>
+              </a:rPr>
+              <a:t>操作不会在</a:t>
+            </a:r>
+            <a:r>
+              <a:rPr lang="zh-CN" altLang="en-US" sz="2200">
+                <a:latin typeface="Times New Roman" panose="02020603050405020304" pitchFamily="18" charset="0"/>
+                <a:sym typeface="+mn-ea"/>
+              </a:rPr>
+              <a:t>运行</a:t>
+            </a:r>
+            <a:r>
+              <a:rPr lang="en-US" altLang="zh-CN" sz="2200" b="0">
+                <a:latin typeface="Times New Roman" panose="02020603050405020304" pitchFamily="18" charset="0"/>
+              </a:rPr>
+              <a:t>image</a:t>
+            </a:r>
+            <a:r>
+              <a:rPr lang="zh-CN" altLang="en-US" sz="2200" b="0">
+                <a:latin typeface="Times New Roman" panose="02020603050405020304" pitchFamily="18" charset="0"/>
+              </a:rPr>
+              <a:t>的容器上执行</a:t>
+            </a:r>
+            <a:endParaRPr lang="zh-CN" altLang="en-US" sz="2200" b="0">
+              <a:latin typeface="Times New Roman" panose="02020603050405020304" pitchFamily="18" charset="0"/>
+            </a:endParaRPr>
+          </a:p>
+          <a:p>
+            <a:pPr marL="800100" lvl="1" indent="-342900" algn="just">
+              <a:lnSpc>
+                <a:spcPct val="150000"/>
+              </a:lnSpc>
+              <a:spcBef>
+                <a:spcPts val="0"/>
+              </a:spcBef>
+              <a:buClr>
+                <a:schemeClr val="tx1"/>
+              </a:buClr>
+              <a:buFont typeface="Arial" panose="020B0604020202020204" pitchFamily="34" charset="0"/>
+              <a:buChar char="•"/>
+            </a:pPr>
+            <a:r>
+              <a:rPr lang="zh-CN" altLang="en-US" sz="2200" b="0">
+                <a:latin typeface="Times New Roman" panose="02020603050405020304" pitchFamily="18" charset="0"/>
+              </a:rPr>
+              <a:t>设置指令：设置</a:t>
+            </a:r>
+            <a:r>
+              <a:rPr lang="en-US" altLang="zh-CN" sz="2200" b="0">
+                <a:latin typeface="Times New Roman" panose="02020603050405020304" pitchFamily="18" charset="0"/>
+              </a:rPr>
+              <a:t>image</a:t>
+            </a:r>
+            <a:r>
+              <a:rPr lang="zh-CN" altLang="en-US" sz="2200" b="0">
+                <a:latin typeface="Times New Roman" panose="02020603050405020304" pitchFamily="18" charset="0"/>
+              </a:rPr>
+              <a:t>属性，其指定的操作将在运行</a:t>
+            </a:r>
+            <a:r>
+              <a:rPr lang="en-US" altLang="zh-CN" sz="2200" b="0">
+                <a:latin typeface="Times New Roman" panose="02020603050405020304" pitchFamily="18" charset="0"/>
+              </a:rPr>
+              <a:t>image</a:t>
+            </a:r>
+            <a:r>
+              <a:rPr lang="zh-CN" altLang="en-US" sz="2200" b="0">
+                <a:latin typeface="Times New Roman" panose="02020603050405020304" pitchFamily="18" charset="0"/>
+              </a:rPr>
+              <a:t>的容器上执行</a:t>
+            </a:r>
+            <a:endParaRPr lang="zh-CN" altLang="en-US" sz="2200" b="0">
+              <a:latin typeface="Times New Roman" panose="02020603050405020304" pitchFamily="18" charset="0"/>
+            </a:endParaRPr>
+          </a:p>
+        </p:txBody>
+      </p:sp>
     </p:spTree>
   </p:cSld>
   <p:clrMapOvr>
@@ -10297,6 +10332,172 @@
         </p:nvSpPr>
         <p:spPr bwMode="auto">
           <a:xfrm>
+            <a:off x="814175" y="377124"/>
+            <a:ext cx="4008438" cy="723900"/>
+          </a:xfrm>
+          <a:prstGeom prst="rect">
+            <a:avLst/>
+          </a:prstGeom>
+          <a:noFill/>
+        </p:spPr>
+        <p:txBody>
+          <a:bodyPr anchor="ctr">
+            <a:noAutofit/>
+          </a:bodyPr>
+          <a:p>
+            <a:pPr>
+              <a:defRPr/>
+            </a:pPr>
+            <a:r>
+              <a:rPr lang="en-US" sz="4000" b="1" dirty="0">
+                <a:solidFill>
+                  <a:schemeClr val="tx1">
+                    <a:lumMod val="75000"/>
+                    <a:lumOff val="25000"/>
+                  </a:schemeClr>
+                </a:solidFill>
+                <a:cs typeface="Arial" panose="020B0604020202020204" pitchFamily="34" charset="0"/>
+                <a:sym typeface="+mn-ea"/>
+              </a:rPr>
+              <a:t>docker </a:t>
+            </a:r>
+            <a:r>
+              <a:rPr lang="en-US" altLang="zh-CN" sz="4000" b="1" dirty="0">
+                <a:solidFill>
+                  <a:schemeClr val="tx1">
+                    <a:lumMod val="75000"/>
+                    <a:lumOff val="25000"/>
+                  </a:schemeClr>
+                </a:solidFill>
+                <a:cs typeface="Arial" panose="020B0604020202020204" pitchFamily="34" charset="0"/>
+                <a:sym typeface="+mn-ea"/>
+              </a:rPr>
+              <a:t>file</a:t>
+            </a:r>
+            <a:r>
+              <a:rPr lang="zh-CN" altLang="en-US" sz="4000" b="1" dirty="0">
+                <a:solidFill>
+                  <a:schemeClr val="tx1">
+                    <a:lumMod val="75000"/>
+                    <a:lumOff val="25000"/>
+                  </a:schemeClr>
+                </a:solidFill>
+                <a:cs typeface="Arial" panose="020B0604020202020204" pitchFamily="34" charset="0"/>
+                <a:sym typeface="+mn-ea"/>
+              </a:rPr>
+              <a:t>指令</a:t>
+            </a:r>
+            <a:endParaRPr lang="zh-CN" altLang="en-US" sz="4000" b="1" dirty="0">
+              <a:solidFill>
+                <a:schemeClr val="tx1">
+                  <a:lumMod val="75000"/>
+                  <a:lumOff val="25000"/>
+                </a:schemeClr>
+              </a:solidFill>
+              <a:cs typeface="Arial" panose="020B0604020202020204" pitchFamily="34" charset="0"/>
+              <a:sym typeface="+mn-ea"/>
+            </a:endParaRPr>
+          </a:p>
+        </p:txBody>
+      </p:sp>
+      <p:pic>
+        <p:nvPicPr>
+          <p:cNvPr id="2" name="图片 1"/>
+          <p:cNvPicPr>
+            <a:picLocks noChangeAspect="1"/>
+          </p:cNvPicPr>
+          <p:nvPr/>
+        </p:nvPicPr>
+        <p:blipFill>
+          <a:blip r:embed="rId2"/>
+          <a:stretch>
+            <a:fillRect/>
+          </a:stretch>
+        </p:blipFill>
+        <p:spPr>
+          <a:xfrm>
+            <a:off x="1095375" y="1490345"/>
+            <a:ext cx="7938135" cy="4183380"/>
+          </a:xfrm>
+          <a:prstGeom prst="rect">
+            <a:avLst/>
+          </a:prstGeom>
+        </p:spPr>
+      </p:pic>
+    </p:spTree>
+  </p:cSld>
+  <p:clrMapOvr>
+    <a:masterClrMapping/>
+  </p:clrMapOvr>
+  <p:timing>
+    <p:tnLst>
+      <p:par>
+        <p:cTn id="1" dur="indefinite" restart="never" nodeType="tmRoot"/>
+      </p:par>
+    </p:tnLst>
+  </p:timing>
+</p:sld>
+</file>
+
+<file path=ppt/slides/slide23.xml><?xml version="1.0" encoding="utf-8"?>
+<p:sld xmlns:a="http://schemas.openxmlformats.org/drawingml/2006/main" xmlns:r="http://schemas.openxmlformats.org/officeDocument/2006/relationships" xmlns:p="http://schemas.openxmlformats.org/presentationml/2006/main">
+  <p:cSld>
+    <p:spTree>
+      <p:nvGrpSpPr>
+        <p:cNvPr id="1" name=""/>
+        <p:cNvGrpSpPr/>
+        <p:nvPr/>
+      </p:nvGrpSpPr>
+      <p:grpSpPr/>
+      <p:cxnSp>
+        <p:nvCxnSpPr>
+          <p:cNvPr id="7" name="直接连接符 6"/>
+          <p:cNvCxnSpPr/>
+          <p:nvPr/>
+        </p:nvCxnSpPr>
+        <p:spPr bwMode="auto">
+          <a:xfrm>
+            <a:off x="564382" y="1259725"/>
+            <a:ext cx="8750595" cy="0"/>
+          </a:xfrm>
+          <a:prstGeom prst="line">
+            <a:avLst/>
+          </a:prstGeom>
+          <a:ln w="73025">
+            <a:solidFill>
+              <a:srgbClr val="00A99F"/>
+            </a:solidFill>
+            <a:headEnd type="none" w="med" len="med"/>
+            <a:tailEnd type="none" w="med" len="med"/>
+          </a:ln>
+        </p:spPr>
+        <p:style>
+          <a:lnRef idx="1">
+            <a:schemeClr val="accent3"/>
+          </a:lnRef>
+          <a:fillRef idx="0">
+            <a:schemeClr val="accent3"/>
+          </a:fillRef>
+          <a:effectRef idx="0">
+            <a:schemeClr val="accent3"/>
+          </a:effectRef>
+          <a:fontRef idx="minor">
+            <a:schemeClr val="tx1"/>
+          </a:fontRef>
+        </p:style>
+      </p:cxnSp>
+      <p:sp>
+        <p:nvSpPr>
+          <p:cNvPr id="23" name="文本框 22"/>
+          <p:cNvSpPr txBox="1"/>
+          <p:nvPr>
+            <p:custDataLst>
+              <p:tags r:id="rId1"/>
+            </p:custDataLst>
+          </p:nvPr>
+        </p:nvSpPr>
+        <p:spPr bwMode="auto">
+          <a:xfrm>
             <a:off x="827510" y="377124"/>
             <a:ext cx="4008438" cy="723900"/>
           </a:xfrm>
@@ -10404,7 +10605,7 @@
 </p:sld>
 </file>
 
-<file path=ppt/slides/slide23.xml><?xml version="1.0" encoding="utf-8"?>
+<file path=ppt/slides/slide24.xml><?xml version="1.0" encoding="utf-8"?>
 <p:sld xmlns:a="http://schemas.openxmlformats.org/drawingml/2006/main" xmlns:r="http://schemas.openxmlformats.org/officeDocument/2006/relationships" xmlns:p="http://schemas.openxmlformats.org/presentationml/2006/main">
   <p:cSld>
     <p:spTree>
@@ -10786,6 +10987,30 @@
           </a:prstGeom>
         </p:spPr>
       </p:pic>
+      <p:pic>
+        <p:nvPicPr>
+          <p:cNvPr id="3" name="图片 2"/>
+          <p:cNvPicPr>
+            <a:picLocks noChangeAspect="1"/>
+          </p:cNvPicPr>
+          <p:nvPr/>
+        </p:nvPicPr>
+        <p:blipFill>
+          <a:blip r:embed="rId3"/>
+          <a:stretch>
+            <a:fillRect/>
+          </a:stretch>
+        </p:blipFill>
+        <p:spPr>
+          <a:xfrm>
+            <a:off x="1608455" y="1403350"/>
+            <a:ext cx="8326755" cy="4991100"/>
+          </a:xfrm>
+          <a:prstGeom prst="rect">
+            <a:avLst/>
+          </a:prstGeom>
+        </p:spPr>
+      </p:pic>
     </p:spTree>
   </p:cSld>
   <p:clrMapOvr>
@@ -10959,7 +11184,25 @@
                 </a:solidFill>
                 <a:cs typeface="Arial" panose="020B0604020202020204" pitchFamily="34" charset="0"/>
               </a:rPr>
-              <a:t>仓库相关的命令</a:t>
+              <a:t>什么是</a:t>
+            </a:r>
+            <a:r>
+              <a:rPr lang="en-US" altLang="zh-CN" sz="2800" b="1" dirty="0">
+                <a:solidFill>
+                  <a:srgbClr val="C00000"/>
+                </a:solidFill>
+                <a:cs typeface="Arial" panose="020B0604020202020204" pitchFamily="34" charset="0"/>
+              </a:rPr>
+              <a:t>docker</a:t>
+            </a:r>
+            <a:r>
+              <a:rPr lang="zh-CN" altLang="en-US" sz="2800" b="1" dirty="0">
+                <a:solidFill>
+                  <a:srgbClr val="C00000"/>
+                </a:solidFill>
+                <a:cs typeface="Arial" panose="020B0604020202020204" pitchFamily="34" charset="0"/>
+              </a:rPr>
+              <a:t>仓库？</a:t>
             </a:r>
             <a:endParaRPr lang="zh-CN" altLang="en-US" sz="2800" b="1" dirty="0">
               <a:solidFill>
@@ -10970,30 +11213,264 @@
           </a:p>
         </p:txBody>
       </p:sp>
-      <p:pic>
-        <p:nvPicPr>
-          <p:cNvPr id="2" name="图片 1"/>
-          <p:cNvPicPr>
-            <a:picLocks noChangeAspect="1"/>
-          </p:cNvPicPr>
+      <p:sp>
+        <p:nvSpPr>
+          <p:cNvPr id="76803" name="内容占位符 76802"/>
+          <p:cNvSpPr>
+            <a:spLocks noGrp="1"/>
+          </p:cNvSpPr>
           <p:nvPr/>
-        </p:nvPicPr>
-        <p:blipFill>
-          <a:blip r:embed="rId4"/>
-          <a:stretch>
-            <a:fillRect/>
-          </a:stretch>
-        </p:blipFill>
+        </p:nvSpPr>
         <p:spPr>
           <a:xfrm>
-            <a:off x="1647825" y="2187575"/>
-            <a:ext cx="8288655" cy="3959860"/>
+            <a:off x="1078865" y="2299335"/>
+            <a:ext cx="10013315" cy="3816350"/>
           </a:xfrm>
           <a:prstGeom prst="rect">
             <a:avLst/>
           </a:prstGeom>
+          <a:noFill/>
+          <a:ln w="9525">
+            <a:noFill/>
+          </a:ln>
         </p:spPr>
-      </p:pic>
+        <p:txBody>
+          <a:bodyPr anchor="t"/>
+          <a:lstStyle>
+            <a:lvl1pPr marL="0" lvl="0" indent="0" algn="l" defTabSz="914400" rtl="0" eaLnBrk="1" fontAlgn="base" latinLnBrk="0" hangingPunct="1">
+              <a:lnSpc>
+                <a:spcPct val="120000"/>
+              </a:lnSpc>
+              <a:spcBef>
+                <a:spcPct val="20000"/>
+              </a:spcBef>
+              <a:spcAft>
+                <a:spcPct val="0"/>
+              </a:spcAft>
+              <a:buNone/>
+              <a:defRPr sz="2800" b="1" i="0" u="none" kern="1200" baseline="0">
+                <a:solidFill>
+                  <a:schemeClr val="tx1"/>
+                </a:solidFill>
+                <a:latin typeface="+mn-lt"/>
+                <a:ea typeface="+mn-ea"/>
+                <a:cs typeface="+mn-cs"/>
+              </a:defRPr>
+            </a:lvl1pPr>
+            <a:lvl2pPr marL="758825" lvl="1" indent="-285750" algn="l" defTabSz="914400" rtl="0" eaLnBrk="1" fontAlgn="base" latinLnBrk="0" hangingPunct="1">
+              <a:lnSpc>
+                <a:spcPct val="100000"/>
+              </a:lnSpc>
+              <a:spcBef>
+                <a:spcPct val="20000"/>
+              </a:spcBef>
+              <a:spcAft>
+                <a:spcPct val="0"/>
+              </a:spcAft>
+              <a:buChar char="–"/>
+              <a:defRPr sz="2800" b="0" i="0" u="none" kern="1200" baseline="0">
+                <a:solidFill>
+                  <a:schemeClr val="tx1"/>
+                </a:solidFill>
+                <a:latin typeface="+mn-lt"/>
+                <a:ea typeface="+mn-ea"/>
+                <a:cs typeface="+mn-cs"/>
+              </a:defRPr>
+            </a:lvl2pPr>
+            <a:lvl3pPr marL="1177925" lvl="2" indent="-228600" algn="l" defTabSz="914400" rtl="0" eaLnBrk="1" fontAlgn="base" latinLnBrk="0" hangingPunct="1">
+              <a:lnSpc>
+                <a:spcPct val="100000"/>
+              </a:lnSpc>
+              <a:spcBef>
+                <a:spcPct val="20000"/>
+              </a:spcBef>
+              <a:spcAft>
+                <a:spcPct val="0"/>
+              </a:spcAft>
+              <a:buChar char="•"/>
+              <a:defRPr sz="2400" b="0" i="0" u="none" kern="1200" baseline="0">
+                <a:solidFill>
+                  <a:schemeClr val="tx1"/>
+                </a:solidFill>
+                <a:latin typeface="+mn-lt"/>
+                <a:ea typeface="+mn-ea"/>
+                <a:cs typeface="+mn-cs"/>
+              </a:defRPr>
+            </a:lvl3pPr>
+            <a:lvl4pPr marL="1600200" lvl="3" indent="-228600" algn="l" defTabSz="914400" rtl="0" eaLnBrk="1" fontAlgn="base" latinLnBrk="0" hangingPunct="1">
+              <a:lnSpc>
+                <a:spcPct val="100000"/>
+              </a:lnSpc>
+              <a:spcBef>
+                <a:spcPct val="20000"/>
+              </a:spcBef>
+              <a:spcAft>
+                <a:spcPct val="0"/>
+              </a:spcAft>
+              <a:buChar char="–"/>
+              <a:defRPr sz="2000" b="0" i="0" u="none" kern="1200" baseline="0">
+                <a:solidFill>
+                  <a:schemeClr val="tx1"/>
+                </a:solidFill>
+                <a:latin typeface="+mn-lt"/>
+                <a:ea typeface="+mn-ea"/>
+                <a:cs typeface="+mn-cs"/>
+              </a:defRPr>
+            </a:lvl4pPr>
+            <a:lvl5pPr marL="2057400" lvl="4" indent="-228600" algn="l" defTabSz="914400" rtl="0" eaLnBrk="1" fontAlgn="base" latinLnBrk="0" hangingPunct="1">
+              <a:lnSpc>
+                <a:spcPct val="100000"/>
+              </a:lnSpc>
+              <a:spcBef>
+                <a:spcPct val="20000"/>
+              </a:spcBef>
+              <a:spcAft>
+                <a:spcPct val="0"/>
+              </a:spcAft>
+              <a:buChar char="»"/>
+              <a:defRPr sz="2000" b="0" i="0" u="none" kern="1200" baseline="0">
+                <a:solidFill>
+                  <a:schemeClr val="tx1"/>
+                </a:solidFill>
+                <a:latin typeface="+mn-lt"/>
+                <a:ea typeface="+mn-ea"/>
+                <a:cs typeface="+mn-cs"/>
+              </a:defRPr>
+            </a:lvl5pPr>
+            <a:lvl6pPr marL="2514600" lvl="5" indent="-228600" algn="l" defTabSz="914400" rtl="0" eaLnBrk="1" fontAlgn="base" latinLnBrk="0" hangingPunct="1">
+              <a:lnSpc>
+                <a:spcPct val="100000"/>
+              </a:lnSpc>
+              <a:spcBef>
+                <a:spcPct val="20000"/>
+              </a:spcBef>
+              <a:spcAft>
+                <a:spcPct val="0"/>
+              </a:spcAft>
+              <a:buChar char="»"/>
+              <a:defRPr sz="2000" b="0" i="0" u="none" kern="1200" baseline="0">
+                <a:solidFill>
+                  <a:schemeClr val="tx1"/>
+                </a:solidFill>
+                <a:latin typeface="+mn-lt"/>
+                <a:ea typeface="+mn-ea"/>
+                <a:cs typeface="+mn-cs"/>
+              </a:defRPr>
+            </a:lvl6pPr>
+            <a:lvl7pPr marL="2971800" lvl="6" indent="-228600" algn="l" defTabSz="914400" rtl="0" eaLnBrk="1" fontAlgn="base" latinLnBrk="0" hangingPunct="1">
+              <a:lnSpc>
+                <a:spcPct val="100000"/>
+              </a:lnSpc>
+              <a:spcBef>
+                <a:spcPct val="20000"/>
+              </a:spcBef>
+              <a:spcAft>
+                <a:spcPct val="0"/>
+              </a:spcAft>
+              <a:buChar char="»"/>
+              <a:defRPr sz="2000" b="0" i="0" u="none" kern="1200" baseline="0">
+                <a:solidFill>
+                  <a:schemeClr val="tx1"/>
+                </a:solidFill>
+                <a:latin typeface="+mn-lt"/>
+                <a:ea typeface="+mn-ea"/>
+                <a:cs typeface="+mn-cs"/>
+              </a:defRPr>
+            </a:lvl7pPr>
+            <a:lvl8pPr marL="3429000" lvl="7" indent="-228600" algn="l" defTabSz="914400" rtl="0" eaLnBrk="1" fontAlgn="base" latinLnBrk="0" hangingPunct="1">
+              <a:lnSpc>
+                <a:spcPct val="100000"/>
+              </a:lnSpc>
+              <a:spcBef>
+                <a:spcPct val="20000"/>
+              </a:spcBef>
+              <a:spcAft>
+                <a:spcPct val="0"/>
+              </a:spcAft>
+              <a:buChar char="»"/>
+              <a:defRPr sz="2000" b="0" i="0" u="none" kern="1200" baseline="0">
+                <a:solidFill>
+                  <a:schemeClr val="tx1"/>
+                </a:solidFill>
+                <a:latin typeface="+mn-lt"/>
+                <a:ea typeface="+mn-ea"/>
+                <a:cs typeface="+mn-cs"/>
+              </a:defRPr>
+            </a:lvl8pPr>
+            <a:lvl9pPr marL="3886200" lvl="8" indent="-228600" algn="l" defTabSz="914400" rtl="0" eaLnBrk="1" fontAlgn="base" latinLnBrk="0" hangingPunct="1">
+              <a:lnSpc>
+                <a:spcPct val="100000"/>
+              </a:lnSpc>
+              <a:spcBef>
+                <a:spcPct val="20000"/>
+              </a:spcBef>
+              <a:spcAft>
+                <a:spcPct val="0"/>
+              </a:spcAft>
+              <a:buChar char="»"/>
+              <a:defRPr sz="2000" b="0" i="0" u="none" kern="1200" baseline="0">
+                <a:solidFill>
+                  <a:schemeClr val="tx1"/>
+                </a:solidFill>
+                <a:latin typeface="+mn-lt"/>
+                <a:ea typeface="+mn-ea"/>
+                <a:cs typeface="+mn-cs"/>
+              </a:defRPr>
+            </a:lvl9pPr>
+          </a:lstStyle>
+          <a:p>
+            <a:pPr algn="just">
+              <a:buClr>
+                <a:schemeClr val="tx1"/>
+              </a:buClr>
+              <a:buFont typeface="Wingdings" panose="05000000000000000000" pitchFamily="2" charset="2"/>
+            </a:pPr>
+            <a:r>
+              <a:rPr sz="2200" b="0" dirty="0">
+                <a:latin typeface="Times New Roman" panose="02020603050405020304" pitchFamily="18" charset="0"/>
+              </a:rPr>
+              <a:t>仓库是集中存放镜像的地方。</a:t>
+            </a:r>
+            <a:endParaRPr sz="2200" b="0" dirty="0">
+              <a:latin typeface="Times New Roman" panose="02020603050405020304" pitchFamily="18" charset="0"/>
+            </a:endParaRPr>
+          </a:p>
+          <a:p>
+            <a:pPr algn="just">
+              <a:buClr>
+                <a:schemeClr val="tx1"/>
+              </a:buClr>
+              <a:buFont typeface="Wingdings" panose="05000000000000000000" pitchFamily="2" charset="2"/>
+            </a:pPr>
+            <a:r>
+              <a:rPr sz="2200" b="0" dirty="0">
+                <a:latin typeface="Times New Roman" panose="02020603050405020304" pitchFamily="18" charset="0"/>
+              </a:rPr>
+              <a:t>目前Docker官方仓库维护了一个公共仓库https://hub.docker.com，其中已经包括15000多个的镜像。</a:t>
+            </a:r>
+            <a:endParaRPr sz="2200" b="0" dirty="0">
+              <a:latin typeface="Times New Roman" panose="02020603050405020304" pitchFamily="18" charset="0"/>
+            </a:endParaRPr>
+          </a:p>
+          <a:p>
+            <a:pPr algn="just">
+              <a:buClr>
+                <a:schemeClr val="tx1"/>
+              </a:buClr>
+              <a:buFont typeface="Wingdings" panose="05000000000000000000" pitchFamily="2" charset="2"/>
+            </a:pPr>
+            <a:r>
+              <a:rPr sz="2200" b="0" dirty="0">
+                <a:latin typeface="Times New Roman" panose="02020603050405020304" pitchFamily="18" charset="0"/>
+              </a:rPr>
+              <a:t>大部分需求都可以通过在Docker Hub中直接下来镜像来实现。</a:t>
+            </a:r>
+            <a:endParaRPr sz="2200" b="0" dirty="0">
+              <a:latin typeface="Times New Roman" panose="02020603050405020304" pitchFamily="18" charset="0"/>
+            </a:endParaRPr>
+          </a:p>
+        </p:txBody>
+      </p:sp>
     </p:spTree>
   </p:cSld>
   <p:clrMapOvr>
@@ -11106,7 +11583,7 @@
                 </a:solidFill>
                 <a:cs typeface="Arial" panose="020B0604020202020204" pitchFamily="34" charset="0"/>
               </a:rPr>
-              <a:t>镜像</a:t>
+              <a:t>仓库</a:t>
             </a:r>
             <a:endParaRPr lang="zh-CN" altLang="en-US" sz="4000" b="1" dirty="0">
               <a:solidFill>
@@ -11132,7 +11609,7 @@
         </p:nvSpPr>
         <p:spPr bwMode="auto">
           <a:xfrm>
-            <a:off x="981075" y="1580515"/>
+            <a:off x="981075" y="1447165"/>
             <a:ext cx="4918075" cy="718820"/>
           </a:xfrm>
           <a:prstGeom prst="rect">
@@ -11161,258 +11638,19 @@
               <a:t> </a:t>
             </a:r>
             <a:r>
-              <a:rPr lang="en-US" sz="2800" b="1" dirty="0">
+              <a:rPr lang="zh-CN" altLang="en-US" sz="2800" b="1" dirty="0">
                 <a:solidFill>
                   <a:srgbClr val="C00000"/>
                 </a:solidFill>
                 <a:cs typeface="Arial" panose="020B0604020202020204" pitchFamily="34" charset="0"/>
               </a:rPr>
-              <a:t>docker images</a:t>
-            </a:r>
-            <a:endParaRPr lang="en-US" sz="2600" dirty="0">
+              <a:t>仓库相关的命令</a:t>
+            </a:r>
+            <a:endParaRPr lang="zh-CN" altLang="en-US" sz="2800" b="1" dirty="0">
               <a:solidFill>
-                <a:schemeClr val="tx1">
-                  <a:lumMod val="75000"/>
-                  <a:lumOff val="25000"/>
-                </a:schemeClr>
+                <a:srgbClr val="C00000"/>
               </a:solidFill>
               <a:cs typeface="Arial" panose="020B0604020202020204" pitchFamily="34" charset="0"/>
-            </a:endParaRPr>
-          </a:p>
-        </p:txBody>
-      </p:sp>
-      <p:sp>
-        <p:nvSpPr>
-          <p:cNvPr id="76803" name="内容占位符 76802"/>
-          <p:cNvSpPr>
-            <a:spLocks noGrp="1"/>
-          </p:cNvSpPr>
-          <p:nvPr/>
-        </p:nvSpPr>
-        <p:spPr>
-          <a:xfrm>
-            <a:off x="1078865" y="2299335"/>
-            <a:ext cx="10013315" cy="3816350"/>
-          </a:xfrm>
-          <a:prstGeom prst="rect">
-            <a:avLst/>
-          </a:prstGeom>
-          <a:noFill/>
-          <a:ln w="9525">
-            <a:noFill/>
-          </a:ln>
-        </p:spPr>
-        <p:txBody>
-          <a:bodyPr anchor="t"/>
-          <a:lstStyle>
-            <a:lvl1pPr marL="0" lvl="0" indent="0" algn="l" defTabSz="914400" rtl="0" eaLnBrk="1" fontAlgn="base" latinLnBrk="0" hangingPunct="1">
-              <a:lnSpc>
-                <a:spcPct val="120000"/>
-              </a:lnSpc>
-              <a:spcBef>
-                <a:spcPct val="20000"/>
-              </a:spcBef>
-              <a:spcAft>
-                <a:spcPct val="0"/>
-              </a:spcAft>
-              <a:buNone/>
-              <a:defRPr sz="2800" b="1" i="0" u="none" kern="1200" baseline="0">
-                <a:solidFill>
-                  <a:schemeClr val="tx1"/>
-                </a:solidFill>
-                <a:latin typeface="+mn-lt"/>
-                <a:ea typeface="+mn-ea"/>
-                <a:cs typeface="+mn-cs"/>
-              </a:defRPr>
-            </a:lvl1pPr>
-            <a:lvl2pPr marL="758825" lvl="1" indent="-285750" algn="l" defTabSz="914400" rtl="0" eaLnBrk="1" fontAlgn="base" latinLnBrk="0" hangingPunct="1">
-              <a:lnSpc>
-                <a:spcPct val="100000"/>
-              </a:lnSpc>
-              <a:spcBef>
-                <a:spcPct val="20000"/>
-              </a:spcBef>
-              <a:spcAft>
-                <a:spcPct val="0"/>
-              </a:spcAft>
-              <a:buChar char="–"/>
-              <a:defRPr sz="2800" b="0" i="0" u="none" kern="1200" baseline="0">
-                <a:solidFill>
-                  <a:schemeClr val="tx1"/>
-                </a:solidFill>
-                <a:latin typeface="+mn-lt"/>
-                <a:ea typeface="+mn-ea"/>
-                <a:cs typeface="+mn-cs"/>
-              </a:defRPr>
-            </a:lvl2pPr>
-            <a:lvl3pPr marL="1177925" lvl="2" indent="-228600" algn="l" defTabSz="914400" rtl="0" eaLnBrk="1" fontAlgn="base" latinLnBrk="0" hangingPunct="1">
-              <a:lnSpc>
-                <a:spcPct val="100000"/>
-              </a:lnSpc>
-              <a:spcBef>
-                <a:spcPct val="20000"/>
-              </a:spcBef>
-              <a:spcAft>
-                <a:spcPct val="0"/>
-              </a:spcAft>
-              <a:buChar char="•"/>
-              <a:defRPr sz="2400" b="0" i="0" u="none" kern="1200" baseline="0">
-                <a:solidFill>
-                  <a:schemeClr val="tx1"/>
-                </a:solidFill>
-                <a:latin typeface="+mn-lt"/>
-                <a:ea typeface="+mn-ea"/>
-                <a:cs typeface="+mn-cs"/>
-              </a:defRPr>
-            </a:lvl3pPr>
-            <a:lvl4pPr marL="1600200" lvl="3" indent="-228600" algn="l" defTabSz="914400" rtl="0" eaLnBrk="1" fontAlgn="base" latinLnBrk="0" hangingPunct="1">
-              <a:lnSpc>
-                <a:spcPct val="100000"/>
-              </a:lnSpc>
-              <a:spcBef>
-                <a:spcPct val="20000"/>
-              </a:spcBef>
-              <a:spcAft>
-                <a:spcPct val="0"/>
-              </a:spcAft>
-              <a:buChar char="–"/>
-              <a:defRPr sz="2000" b="0" i="0" u="none" kern="1200" baseline="0">
-                <a:solidFill>
-                  <a:schemeClr val="tx1"/>
-                </a:solidFill>
-                <a:latin typeface="+mn-lt"/>
-                <a:ea typeface="+mn-ea"/>
-                <a:cs typeface="+mn-cs"/>
-              </a:defRPr>
-            </a:lvl4pPr>
-            <a:lvl5pPr marL="2057400" lvl="4" indent="-228600" algn="l" defTabSz="914400" rtl="0" eaLnBrk="1" fontAlgn="base" latinLnBrk="0" hangingPunct="1">
-              <a:lnSpc>
-                <a:spcPct val="100000"/>
-              </a:lnSpc>
-              <a:spcBef>
-                <a:spcPct val="20000"/>
-              </a:spcBef>
-              <a:spcAft>
-                <a:spcPct val="0"/>
-              </a:spcAft>
-              <a:buChar char="»"/>
-              <a:defRPr sz="2000" b="0" i="0" u="none" kern="1200" baseline="0">
-                <a:solidFill>
-                  <a:schemeClr val="tx1"/>
-                </a:solidFill>
-                <a:latin typeface="+mn-lt"/>
-                <a:ea typeface="+mn-ea"/>
-                <a:cs typeface="+mn-cs"/>
-              </a:defRPr>
-            </a:lvl5pPr>
-            <a:lvl6pPr marL="2514600" lvl="5" indent="-228600" algn="l" defTabSz="914400" rtl="0" eaLnBrk="1" fontAlgn="base" latinLnBrk="0" hangingPunct="1">
-              <a:lnSpc>
-                <a:spcPct val="100000"/>
-              </a:lnSpc>
-              <a:spcBef>
-                <a:spcPct val="20000"/>
-              </a:spcBef>
-              <a:spcAft>
-                <a:spcPct val="0"/>
-              </a:spcAft>
-              <a:buChar char="»"/>
-              <a:defRPr sz="2000" b="0" i="0" u="none" kern="1200" baseline="0">
-                <a:solidFill>
-                  <a:schemeClr val="tx1"/>
-                </a:solidFill>
-                <a:latin typeface="+mn-lt"/>
-                <a:ea typeface="+mn-ea"/>
-                <a:cs typeface="+mn-cs"/>
-              </a:defRPr>
-            </a:lvl6pPr>
-            <a:lvl7pPr marL="2971800" lvl="6" indent="-228600" algn="l" defTabSz="914400" rtl="0" eaLnBrk="1" fontAlgn="base" latinLnBrk="0" hangingPunct="1">
-              <a:lnSpc>
-                <a:spcPct val="100000"/>
-              </a:lnSpc>
-              <a:spcBef>
-                <a:spcPct val="20000"/>
-              </a:spcBef>
-              <a:spcAft>
-                <a:spcPct val="0"/>
-              </a:spcAft>
-              <a:buChar char="»"/>
-              <a:defRPr sz="2000" b="0" i="0" u="none" kern="1200" baseline="0">
-                <a:solidFill>
-                  <a:schemeClr val="tx1"/>
-                </a:solidFill>
-                <a:latin typeface="+mn-lt"/>
-                <a:ea typeface="+mn-ea"/>
-                <a:cs typeface="+mn-cs"/>
-              </a:defRPr>
-            </a:lvl7pPr>
-            <a:lvl8pPr marL="3429000" lvl="7" indent="-228600" algn="l" defTabSz="914400" rtl="0" eaLnBrk="1" fontAlgn="base" latinLnBrk="0" hangingPunct="1">
-              <a:lnSpc>
-                <a:spcPct val="100000"/>
-              </a:lnSpc>
-              <a:spcBef>
-                <a:spcPct val="20000"/>
-              </a:spcBef>
-              <a:spcAft>
-                <a:spcPct val="0"/>
-              </a:spcAft>
-              <a:buChar char="»"/>
-              <a:defRPr sz="2000" b="0" i="0" u="none" kern="1200" baseline="0">
-                <a:solidFill>
-                  <a:schemeClr val="tx1"/>
-                </a:solidFill>
-                <a:latin typeface="+mn-lt"/>
-                <a:ea typeface="+mn-ea"/>
-                <a:cs typeface="+mn-cs"/>
-              </a:defRPr>
-            </a:lvl8pPr>
-            <a:lvl9pPr marL="3886200" lvl="8" indent="-228600" algn="l" defTabSz="914400" rtl="0" eaLnBrk="1" fontAlgn="base" latinLnBrk="0" hangingPunct="1">
-              <a:lnSpc>
-                <a:spcPct val="100000"/>
-              </a:lnSpc>
-              <a:spcBef>
-                <a:spcPct val="20000"/>
-              </a:spcBef>
-              <a:spcAft>
-                <a:spcPct val="0"/>
-              </a:spcAft>
-              <a:buChar char="»"/>
-              <a:defRPr sz="2000" b="0" i="0" u="none" kern="1200" baseline="0">
-                <a:solidFill>
-                  <a:schemeClr val="tx1"/>
-                </a:solidFill>
-                <a:latin typeface="+mn-lt"/>
-                <a:ea typeface="+mn-ea"/>
-                <a:cs typeface="+mn-cs"/>
-              </a:defRPr>
-            </a:lvl9pPr>
-          </a:lstStyle>
-          <a:p>
-            <a:pPr algn="just">
-              <a:buClr>
-                <a:schemeClr val="tx1"/>
-              </a:buClr>
-              <a:buFont typeface="Wingdings" panose="05000000000000000000" pitchFamily="2" charset="2"/>
-            </a:pPr>
-            <a:r>
-              <a:rPr lang="zh-CN" sz="2200" b="0" dirty="0">
-                <a:latin typeface="Times New Roman" panose="02020603050405020304" pitchFamily="18" charset="0"/>
-              </a:rPr>
-              <a:t>查看</a:t>
-            </a:r>
-            <a:r>
-              <a:rPr lang="en-US" altLang="zh-CN" sz="2200" b="0" dirty="0">
-                <a:latin typeface="Times New Roman" panose="02020603050405020304" pitchFamily="18" charset="0"/>
-              </a:rPr>
-              <a:t>docker</a:t>
-            </a:r>
-            <a:r>
-              <a:rPr lang="zh-CN" altLang="en-US" sz="2200" b="0" dirty="0">
-                <a:latin typeface="Times New Roman" panose="02020603050405020304" pitchFamily="18" charset="0"/>
-              </a:rPr>
-              <a:t>镜像</a:t>
-            </a:r>
-            <a:endParaRPr lang="zh-CN" altLang="en-US" sz="2200" b="0" dirty="0">
-              <a:latin typeface="Times New Roman" panose="02020603050405020304" pitchFamily="18" charset="0"/>
             </a:endParaRPr>
           </a:p>
         </p:txBody>
@@ -11433,8 +11671,8 @@
         </p:blipFill>
         <p:spPr>
           <a:xfrm>
-            <a:off x="1847215" y="2976245"/>
-            <a:ext cx="7467600" cy="904875"/>
+            <a:off x="1647825" y="2187575"/>
+            <a:ext cx="8288655" cy="3959860"/>
           </a:xfrm>
           <a:prstGeom prst="rect">
             <a:avLst/>
@@ -11614,7 +11852,7 @@
                 </a:solidFill>
                 <a:cs typeface="Arial" panose="020B0604020202020204" pitchFamily="34" charset="0"/>
               </a:rPr>
-              <a:t>docker search</a:t>
+              <a:t>docker images</a:t>
             </a:r>
             <a:endParaRPr lang="en-US" sz="2600" dirty="0">
               <a:solidFill>
@@ -11841,10 +12079,10 @@
               <a:buFont typeface="Wingdings" panose="05000000000000000000" pitchFamily="2" charset="2"/>
             </a:pPr>
             <a:r>
-              <a:rPr lang="zh-CN" altLang="en-US" sz="2200" b="0" dirty="0">
+              <a:rPr lang="zh-CN" sz="2200" b="0" dirty="0">
                 <a:latin typeface="Times New Roman" panose="02020603050405020304" pitchFamily="18" charset="0"/>
               </a:rPr>
-              <a:t>搜索</a:t>
+              <a:t>查看</a:t>
             </a:r>
             <a:r>
               <a:rPr lang="en-US" altLang="zh-CN" sz="2200" b="0" dirty="0">
@@ -11864,6 +12102,30 @@
           </a:p>
         </p:txBody>
       </p:sp>
+      <p:pic>
+        <p:nvPicPr>
+          <p:cNvPr id="2" name="图片 1"/>
+          <p:cNvPicPr>
+            <a:picLocks noChangeAspect="1"/>
+          </p:cNvPicPr>
+          <p:nvPr/>
+        </p:nvPicPr>
+        <p:blipFill>
+          <a:blip r:embed="rId4"/>
+          <a:stretch>
+            <a:fillRect/>
+          </a:stretch>
+        </p:blipFill>
+        <p:spPr>
+          <a:xfrm>
+            <a:off x="1847215" y="2976245"/>
+            <a:ext cx="7467600" cy="904875"/>
+          </a:xfrm>
+          <a:prstGeom prst="rect">
+            <a:avLst/>
+          </a:prstGeom>
+        </p:spPr>
+      </p:pic>
     </p:spTree>
   </p:cSld>
   <p:clrMapOvr>
@@ -12037,11 +12299,14 @@
                 </a:solidFill>
                 <a:cs typeface="Arial" panose="020B0604020202020204" pitchFamily="34" charset="0"/>
               </a:rPr>
-              <a:t>docker pull</a:t>
-            </a:r>
-            <a:endParaRPr lang="en-US" sz="2800" b="1" dirty="0">
+              <a:t>docker search</a:t>
+            </a:r>
+            <a:endParaRPr lang="en-US" sz="2600" dirty="0">
               <a:solidFill>
-                <a:srgbClr val="C00000"/>
+                <a:schemeClr val="tx1">
+                  <a:lumMod val="75000"/>
+                  <a:lumOff val="25000"/>
+                </a:schemeClr>
               </a:solidFill>
               <a:cs typeface="Arial" panose="020B0604020202020204" pitchFamily="34" charset="0"/>
             </a:endParaRPr>
@@ -12261,10 +12526,10 @@
               <a:buFont typeface="Wingdings" panose="05000000000000000000" pitchFamily="2" charset="2"/>
             </a:pPr>
             <a:r>
-              <a:rPr lang="zh-CN" sz="2200" b="0" dirty="0">
+              <a:rPr lang="zh-CN" altLang="en-US" sz="2200" b="0" dirty="0">
                 <a:latin typeface="Times New Roman" panose="02020603050405020304" pitchFamily="18" charset="0"/>
               </a:rPr>
-              <a:t>下载</a:t>
+              <a:t>搜索</a:t>
             </a:r>
             <a:r>
               <a:rPr lang="en-US" altLang="zh-CN" sz="2200" b="0" dirty="0">
@@ -12457,7 +12722,7 @@
                 </a:solidFill>
                 <a:cs typeface="Arial" panose="020B0604020202020204" pitchFamily="34" charset="0"/>
               </a:rPr>
-              <a:t>docker push</a:t>
+              <a:t>docker pull</a:t>
             </a:r>
             <a:endParaRPr lang="en-US" sz="2800" b="1" dirty="0">
               <a:solidFill>
@@ -12684,7 +12949,7 @@
               <a:rPr lang="zh-CN" sz="2200" b="0" dirty="0">
                 <a:latin typeface="Times New Roman" panose="02020603050405020304" pitchFamily="18" charset="0"/>
               </a:rPr>
-              <a:t>上传</a:t>
+              <a:t>下载</a:t>
             </a:r>
             <a:r>
               <a:rPr lang="en-US" altLang="zh-CN" sz="2200" b="0" dirty="0">
@@ -12877,7 +13142,7 @@
                 </a:solidFill>
                 <a:cs typeface="Arial" panose="020B0604020202020204" pitchFamily="34" charset="0"/>
               </a:rPr>
-              <a:t>docker rmi</a:t>
+              <a:t>docker push</a:t>
             </a:r>
             <a:endParaRPr lang="en-US" sz="2800" b="1" dirty="0">
               <a:solidFill>
@@ -13101,10 +13366,10 @@
               <a:buFont typeface="Wingdings" panose="05000000000000000000" pitchFamily="2" charset="2"/>
             </a:pPr>
             <a:r>
-              <a:rPr lang="zh-CN" altLang="en-US" sz="2200" b="0" dirty="0">
+              <a:rPr lang="zh-CN" sz="2200" b="0" dirty="0">
                 <a:latin typeface="Times New Roman" panose="02020603050405020304" pitchFamily="18" charset="0"/>
               </a:rPr>
-              <a:t>删除</a:t>
+              <a:t>上传</a:t>
             </a:r>
             <a:r>
               <a:rPr lang="en-US" altLang="zh-CN" sz="2200" b="0" dirty="0">
@@ -13287,7 +13552,7 @@
 <p:tagLst xmlns:p="http://schemas.openxmlformats.org/presentationml/2006/main">
   <p:tag name="MH" val="20170111114318"/>
   <p:tag name="MH_LIBRARY" val="GRAPHIC"/>
-  <p:tag name="MH_ORDER" val="文本框 61"/>
+  <p:tag name="MH_ORDER" val="TextBox 9"/>
 </p:tagLst>
 </file>
 
@@ -13295,7 +13560,7 @@
 <p:tagLst xmlns:p="http://schemas.openxmlformats.org/presentationml/2006/main">
   <p:tag name="MH" val="20170111114318"/>
   <p:tag name="MH_LIBRARY" val="GRAPHIC"/>
-  <p:tag name="MH_ORDER" val="Straight Connector 62"/>
+  <p:tag name="MH_ORDER" val="TextBox 9"/>
 </p:tagLst>
 </file>
 
@@ -13303,7 +13568,7 @@
 <p:tagLst xmlns:p="http://schemas.openxmlformats.org/presentationml/2006/main">
   <p:tag name="MH" val="20170111114318"/>
   <p:tag name="MH_LIBRARY" val="GRAPHIC"/>
-  <p:tag name="MH_ORDER" val="TextBox 63"/>
+  <p:tag name="MH_ORDER" val="TextBox 9"/>
 </p:tagLst>
 </file>
 
@@ -13311,7 +13576,7 @@
 <p:tagLst xmlns:p="http://schemas.openxmlformats.org/presentationml/2006/main">
   <p:tag name="MH" val="20170111114318"/>
   <p:tag name="MH_LIBRARY" val="GRAPHIC"/>
-  <p:tag name="MH_ORDER" val="Chevron 64"/>
+  <p:tag name="MH_ORDER" val="TextBox 9"/>
 </p:tagLst>
 </file>
 
@@ -13620,22 +13885,6 @@
 </file>
 
 <file path=ppt/tags/tag64.xml><?xml version="1.0" encoding="utf-8"?>
-<p:tagLst xmlns:p="http://schemas.openxmlformats.org/presentationml/2006/main">
-  <p:tag name="MH" val="20170111114318"/>
-  <p:tag name="MH_LIBRARY" val="GRAPHIC"/>
-  <p:tag name="MH_ORDER" val="TextBox 9"/>
-</p:tagLst>
-</file>
-
-<file path=ppt/tags/tag65.xml><?xml version="1.0" encoding="utf-8"?>
-<p:tagLst xmlns:p="http://schemas.openxmlformats.org/presentationml/2006/main">
-  <p:tag name="MH" val="20170111114318"/>
-  <p:tag name="MH_LIBRARY" val="GRAPHIC"/>
-  <p:tag name="MH_ORDER" val="TextBox 9"/>
-</p:tagLst>
-</file>
-
-<file path=ppt/tags/tag66.xml><?xml version="1.0" encoding="utf-8"?>
 <p:tagLst xmlns:p="http://schemas.openxmlformats.org/presentationml/2006/main">
   <p:tag name="KSO_WM_DOC_GUID" val="{daf7fd9b-b5a0-4779-83e3-3a4cc91f1c1e}"/>
 </p:tagLst>
